--- a/update_pre.pptx
+++ b/update_pre.pptx
@@ -16,10 +16,10 @@
     <p:sldId id="339" r:id="rId7"/>
     <p:sldId id="340" r:id="rId8"/>
     <p:sldId id="341" r:id="rId9"/>
-    <p:sldId id="342" r:id="rId10"/>
-    <p:sldId id="343" r:id="rId11"/>
-    <p:sldId id="344" r:id="rId12"/>
-    <p:sldId id="345" r:id="rId13"/>
+    <p:sldId id="347" r:id="rId10"/>
+    <p:sldId id="342" r:id="rId11"/>
+    <p:sldId id="348" r:id="rId12"/>
+    <p:sldId id="344" r:id="rId13"/>
   </p:sldIdLst>
   <p:sldSz cx="9144000" cy="6858000" type="screen4x3"/>
   <p:notesSz cx="6858000" cy="9144000"/>
@@ -226,7 +226,7 @@
               <a:rPr lang="en-US" smtClean="0">
                 <a:latin typeface="Arial" charset="0"/>
               </a:rPr>
-              <a:t>9/19/24</a:t>
+              <a:t>9/20/24</a:t>
             </a:fld>
             <a:endParaRPr lang="en-US" dirty="0">
               <a:latin typeface="Arial" charset="0"/>
@@ -404,7 +404,7 @@
             <a:fld id="{5B96CA4F-2197-CC40-B4FC-798A937A9DC6}" type="datetimeFigureOut">
               <a:rPr lang="en-US" smtClean="0"/>
               <a:pPr/>
-              <a:t>9/19/24</a:t>
+              <a:t>9/20/24</a:t>
             </a:fld>
             <a:endParaRPr lang="en-US" dirty="0"/>
           </a:p>
@@ -2172,6 +2172,1254 @@
 </p:sldLayout>
 </file>
 
+<file path=ppt/slideLayouts/slideLayout14.xml><?xml version="1.0" encoding="utf-8"?>
+<p:sldLayout xmlns:a="http://schemas.openxmlformats.org/drawingml/2006/main" xmlns:r="http://schemas.openxmlformats.org/officeDocument/2006/relationships" xmlns:p="http://schemas.openxmlformats.org/presentationml/2006/main" userDrawn="1">
+  <p:cSld name="2_Divider Slide">
+    <p:spTree>
+      <p:nvGrpSpPr>
+        <p:cNvPr id="1" name=""/>
+        <p:cNvGrpSpPr/>
+        <p:nvPr/>
+      </p:nvGrpSpPr>
+      <p:grpSpPr>
+        <a:xfrm>
+          <a:off x="0" y="0"/>
+          <a:ext cx="0" cy="0"/>
+          <a:chOff x="0" y="0"/>
+          <a:chExt cx="0" cy="0"/>
+        </a:xfrm>
+      </p:grpSpPr>
+      <p:pic>
+        <p:nvPicPr>
+          <p:cNvPr id="4" name="Picture 3">
+            <a:extLst>
+              <a:ext uri="{FF2B5EF4-FFF2-40B4-BE49-F238E27FC236}">
+                <a16:creationId xmlns:a16="http://schemas.microsoft.com/office/drawing/2014/main" id="{83CC7C73-A62A-A74C-AC45-73557B732222}"/>
+              </a:ext>
+            </a:extLst>
+          </p:cNvPr>
+          <p:cNvPicPr>
+            <a:picLocks noChangeAspect="1"/>
+          </p:cNvPicPr>
+          <p:nvPr userDrawn="1"/>
+        </p:nvPicPr>
+        <p:blipFill>
+          <a:blip r:embed="rId2"/>
+          <a:stretch>
+            <a:fillRect/>
+          </a:stretch>
+        </p:blipFill>
+        <p:spPr>
+          <a:xfrm>
+            <a:off x="0" y="-6797"/>
+            <a:ext cx="9144000" cy="6851904"/>
+          </a:xfrm>
+          <a:prstGeom prst="rect">
+            <a:avLst/>
+          </a:prstGeom>
+        </p:spPr>
+      </p:pic>
+      <p:sp>
+        <p:nvSpPr>
+          <p:cNvPr id="8" name="Text Placeholder 5">
+            <a:extLst>
+              <a:ext uri="{FF2B5EF4-FFF2-40B4-BE49-F238E27FC236}">
+                <a16:creationId xmlns:a16="http://schemas.microsoft.com/office/drawing/2014/main" id="{95EDBB07-1433-AE46-93BA-02179E2A6B78}"/>
+              </a:ext>
+            </a:extLst>
+          </p:cNvPr>
+          <p:cNvSpPr>
+            <a:spLocks noGrp="1"/>
+          </p:cNvSpPr>
+          <p:nvPr>
+            <p:ph type="body" sz="quarter" idx="11" hasCustomPrompt="1"/>
+          </p:nvPr>
+        </p:nvSpPr>
+        <p:spPr>
+          <a:xfrm>
+            <a:off x="569110" y="3505738"/>
+            <a:ext cx="6638544" cy="1154152"/>
+          </a:xfrm>
+          <a:prstGeom prst="rect">
+            <a:avLst/>
+          </a:prstGeom>
+        </p:spPr>
+        <p:txBody>
+          <a:bodyPr lIns="0">
+            <a:normAutofit/>
+          </a:bodyPr>
+          <a:lstStyle>
+            <a:lvl1pPr marL="0" indent="0">
+              <a:lnSpc>
+                <a:spcPct val="90000"/>
+              </a:lnSpc>
+              <a:spcBef>
+                <a:spcPts val="0"/>
+              </a:spcBef>
+              <a:buNone/>
+              <a:defRPr sz="3200" b="0" i="0">
+                <a:solidFill>
+                  <a:srgbClr val="1D4F91"/>
+                </a:solidFill>
+                <a:latin typeface="Arial" panose="020B0604020202020204" pitchFamily="34" charset="0"/>
+                <a:ea typeface="Arial" panose="020B0604020202020204" pitchFamily="34" charset="0"/>
+                <a:cs typeface="Arial" panose="020B0604020202020204" pitchFamily="34" charset="0"/>
+              </a:defRPr>
+            </a:lvl1pPr>
+          </a:lstStyle>
+          <a:p>
+            <a:pPr lvl="0"/>
+            <a:r>
+              <a:rPr lang="en-US" dirty="0"/>
+              <a:t>Section Title</a:t>
+            </a:r>
+          </a:p>
+        </p:txBody>
+      </p:sp>
+      <p:sp>
+        <p:nvSpPr>
+          <p:cNvPr id="17" name="Title 1">
+            <a:extLst>
+              <a:ext uri="{FF2B5EF4-FFF2-40B4-BE49-F238E27FC236}">
+                <a16:creationId xmlns:a16="http://schemas.microsoft.com/office/drawing/2014/main" id="{90715F73-74DA-7740-A195-94D09A9A2DC9}"/>
+              </a:ext>
+            </a:extLst>
+          </p:cNvPr>
+          <p:cNvSpPr>
+            <a:spLocks noGrp="1"/>
+          </p:cNvSpPr>
+          <p:nvPr>
+            <p:ph type="ctrTitle" hasCustomPrompt="1"/>
+          </p:nvPr>
+        </p:nvSpPr>
+        <p:spPr>
+          <a:xfrm>
+            <a:off x="569110" y="1031555"/>
+            <a:ext cx="4978908" cy="2387600"/>
+          </a:xfrm>
+          <a:prstGeom prst="rect">
+            <a:avLst/>
+          </a:prstGeom>
+          <a:ln>
+            <a:noFill/>
+          </a:ln>
+        </p:spPr>
+        <p:txBody>
+          <a:bodyPr lIns="0" anchor="b">
+            <a:normAutofit/>
+          </a:bodyPr>
+          <a:lstStyle>
+            <a:lvl1pPr algn="l">
+              <a:lnSpc>
+                <a:spcPts val="4350"/>
+              </a:lnSpc>
+              <a:defRPr sz="5200" b="0" i="0" cap="all" baseline="0">
+                <a:solidFill>
+                  <a:srgbClr val="1D4F91"/>
+                </a:solidFill>
+                <a:latin typeface="Arial" panose="020B0604020202020204" pitchFamily="34" charset="0"/>
+                <a:ea typeface="Arial" panose="020B0604020202020204" pitchFamily="34" charset="0"/>
+                <a:cs typeface="Arial" panose="020B0604020202020204" pitchFamily="34" charset="0"/>
+              </a:defRPr>
+            </a:lvl1pPr>
+          </a:lstStyle>
+          <a:p>
+            <a:r>
+              <a:rPr lang="en-US" dirty="0"/>
+              <a:t>DIVIDER</a:t>
+            </a:r>
+            <a:br>
+              <a:rPr lang="en-US" dirty="0"/>
+            </a:br>
+            <a:r>
+              <a:rPr lang="en-US" dirty="0"/>
+              <a:t>SLIDE</a:t>
+            </a:r>
+          </a:p>
+        </p:txBody>
+      </p:sp>
+      <p:pic>
+        <p:nvPicPr>
+          <p:cNvPr id="7" name="Picture 6">
+            <a:extLst>
+              <a:ext uri="{FF2B5EF4-FFF2-40B4-BE49-F238E27FC236}">
+                <a16:creationId xmlns:a16="http://schemas.microsoft.com/office/drawing/2014/main" id="{7997EBF4-8F35-6244-A3B1-F577249F6E64}"/>
+              </a:ext>
+            </a:extLst>
+          </p:cNvPr>
+          <p:cNvPicPr>
+            <a:picLocks noChangeAspect="1"/>
+          </p:cNvPicPr>
+          <p:nvPr userDrawn="1"/>
+        </p:nvPicPr>
+        <p:blipFill>
+          <a:blip r:embed="rId3"/>
+          <a:stretch>
+            <a:fillRect/>
+          </a:stretch>
+        </p:blipFill>
+        <p:spPr>
+          <a:xfrm>
+            <a:off x="574682" y="6305414"/>
+            <a:ext cx="2878683" cy="393153"/>
+          </a:xfrm>
+          <a:prstGeom prst="rect">
+            <a:avLst/>
+          </a:prstGeom>
+        </p:spPr>
+      </p:pic>
+    </p:spTree>
+    <p:extLst>
+      <p:ext uri="{BB962C8B-B14F-4D97-AF65-F5344CB8AC3E}">
+        <p14:creationId xmlns:p14="http://schemas.microsoft.com/office/powerpoint/2010/main" val="3744391329"/>
+      </p:ext>
+    </p:extLst>
+  </p:cSld>
+  <p:clrMapOvr>
+    <a:masterClrMapping/>
+  </p:clrMapOvr>
+</p:sldLayout>
+</file>
+
+<file path=ppt/slideLayouts/slideLayout15.xml><?xml version="1.0" encoding="utf-8"?>
+<p:sldLayout xmlns:a="http://schemas.openxmlformats.org/drawingml/2006/main" xmlns:r="http://schemas.openxmlformats.org/officeDocument/2006/relationships" xmlns:p="http://schemas.openxmlformats.org/presentationml/2006/main" userDrawn="1">
+  <p:cSld name="6_Custom Layout">
+    <p:spTree>
+      <p:nvGrpSpPr>
+        <p:cNvPr id="1" name=""/>
+        <p:cNvGrpSpPr/>
+        <p:nvPr/>
+      </p:nvGrpSpPr>
+      <p:grpSpPr>
+        <a:xfrm>
+          <a:off x="0" y="0"/>
+          <a:ext cx="0" cy="0"/>
+          <a:chOff x="0" y="0"/>
+          <a:chExt cx="0" cy="0"/>
+        </a:xfrm>
+      </p:grpSpPr>
+      <p:sp>
+        <p:nvSpPr>
+          <p:cNvPr id="6" name="Content Placeholder 6"/>
+          <p:cNvSpPr>
+            <a:spLocks noGrp="1"/>
+          </p:cNvSpPr>
+          <p:nvPr>
+            <p:ph sz="quarter" idx="12" hasCustomPrompt="1"/>
+          </p:nvPr>
+        </p:nvSpPr>
+        <p:spPr>
+          <a:xfrm>
+            <a:off x="571316" y="1735411"/>
+            <a:ext cx="7886699" cy="4275921"/>
+          </a:xfrm>
+          <a:prstGeom prst="rect">
+            <a:avLst/>
+          </a:prstGeom>
+        </p:spPr>
+        <p:txBody>
+          <a:bodyPr>
+            <a:normAutofit/>
+          </a:bodyPr>
+          <a:lstStyle>
+            <a:lvl1pPr marL="0" indent="0">
+              <a:lnSpc>
+                <a:spcPct val="120000"/>
+              </a:lnSpc>
+              <a:spcBef>
+                <a:spcPts val="600"/>
+              </a:spcBef>
+              <a:buClr>
+                <a:srgbClr val="005BBB"/>
+              </a:buClr>
+              <a:buFontTx/>
+              <a:buNone/>
+              <a:defRPr sz="1600" b="0" i="0">
+                <a:solidFill>
+                  <a:srgbClr val="1D4F91"/>
+                </a:solidFill>
+                <a:latin typeface="Arial" panose="020B0604020202020204" pitchFamily="34" charset="0"/>
+                <a:ea typeface="Arial" panose="020B0604020202020204" pitchFamily="34" charset="0"/>
+                <a:cs typeface="Arial" panose="020B0604020202020204" pitchFamily="34" charset="0"/>
+              </a:defRPr>
+            </a:lvl1pPr>
+            <a:lvl2pPr marL="552450" indent="-209550">
+              <a:lnSpc>
+                <a:spcPct val="120000"/>
+              </a:lnSpc>
+              <a:buClr>
+                <a:srgbClr val="005BBB"/>
+              </a:buClr>
+              <a:buFont typeface="Arial" charset="0"/>
+              <a:buChar char="•"/>
+              <a:tabLst/>
+              <a:defRPr sz="1600" b="0" i="0">
+                <a:solidFill>
+                  <a:schemeClr val="tx1"/>
+                </a:solidFill>
+                <a:latin typeface="Arial" panose="020B0604020202020204" pitchFamily="34" charset="0"/>
+                <a:ea typeface="Arial" panose="020B0604020202020204" pitchFamily="34" charset="0"/>
+                <a:cs typeface="Arial" panose="020B0604020202020204" pitchFamily="34" charset="0"/>
+              </a:defRPr>
+            </a:lvl2pPr>
+            <a:lvl3pPr marL="857250" marR="0" indent="-171450" algn="l" defTabSz="685800" rtl="0" eaLnBrk="1" fontAlgn="auto" latinLnBrk="0" hangingPunct="1">
+              <a:lnSpc>
+                <a:spcPct val="120000"/>
+              </a:lnSpc>
+              <a:spcBef>
+                <a:spcPts val="375"/>
+              </a:spcBef>
+              <a:spcAft>
+                <a:spcPts val="0"/>
+              </a:spcAft>
+              <a:buClr>
+                <a:srgbClr val="005BBB"/>
+              </a:buClr>
+              <a:buSzTx/>
+              <a:buFont typeface="LucidaGrande" charset="0"/>
+              <a:buChar char="-"/>
+              <a:tabLst>
+                <a:tab pos="857250" algn="l"/>
+              </a:tabLst>
+              <a:defRPr sz="1600" b="0" i="0">
+                <a:solidFill>
+                  <a:schemeClr val="tx1"/>
+                </a:solidFill>
+                <a:latin typeface="Arial" panose="020B0604020202020204" pitchFamily="34" charset="0"/>
+                <a:ea typeface="Arial" panose="020B0604020202020204" pitchFamily="34" charset="0"/>
+                <a:cs typeface="Arial" panose="020B0604020202020204" pitchFamily="34" charset="0"/>
+              </a:defRPr>
+            </a:lvl3pPr>
+            <a:lvl4pPr>
+              <a:buClr>
+                <a:srgbClr val="005BBB"/>
+              </a:buClr>
+              <a:defRPr>
+                <a:solidFill>
+                  <a:srgbClr val="666666"/>
+                </a:solidFill>
+                <a:latin typeface="Arial" charset="0"/>
+                <a:ea typeface="Arial" charset="0"/>
+                <a:cs typeface="Arial" charset="0"/>
+              </a:defRPr>
+            </a:lvl4pPr>
+            <a:lvl5pPr>
+              <a:buClr>
+                <a:srgbClr val="005BBB"/>
+              </a:buClr>
+              <a:defRPr>
+                <a:solidFill>
+                  <a:srgbClr val="666666"/>
+                </a:solidFill>
+                <a:latin typeface="Arial" charset="0"/>
+                <a:ea typeface="Arial" charset="0"/>
+                <a:cs typeface="Arial" charset="0"/>
+              </a:defRPr>
+            </a:lvl5pPr>
+          </a:lstStyle>
+          <a:p>
+            <a:pPr lvl="0"/>
+            <a:r>
+              <a:rPr lang="en-US" dirty="0"/>
+              <a:t>CLICK TO EDIT MASTER TEXT STYLES</a:t>
+            </a:r>
+          </a:p>
+          <a:p>
+            <a:pPr lvl="1"/>
+            <a:r>
+              <a:rPr lang="en-US" dirty="0"/>
+              <a:t>Second level text</a:t>
+            </a:r>
+          </a:p>
+          <a:p>
+            <a:pPr lvl="2"/>
+            <a:r>
+              <a:rPr lang="en-US" dirty="0"/>
+              <a:t>Third level</a:t>
+            </a:r>
+          </a:p>
+          <a:p>
+            <a:pPr lvl="1"/>
+            <a:r>
+              <a:rPr lang="en-US" dirty="0"/>
+              <a:t>Second level text</a:t>
+            </a:r>
+          </a:p>
+          <a:p>
+            <a:pPr marL="857250" marR="0" lvl="2" indent="-171450" algn="l" defTabSz="685800" rtl="0" eaLnBrk="1" fontAlgn="auto" latinLnBrk="0" hangingPunct="1">
+              <a:lnSpc>
+                <a:spcPts val="1725"/>
+              </a:lnSpc>
+              <a:spcBef>
+                <a:spcPts val="375"/>
+              </a:spcBef>
+              <a:spcAft>
+                <a:spcPts val="0"/>
+              </a:spcAft>
+              <a:buClr>
+                <a:srgbClr val="005BBB"/>
+              </a:buClr>
+              <a:buSzTx/>
+              <a:buFont typeface="LucidaGrande" charset="0"/>
+              <a:buChar char="-"/>
+              <a:tabLst/>
+              <a:defRPr/>
+            </a:pPr>
+            <a:r>
+              <a:rPr lang="en-US" dirty="0"/>
+              <a:t>Third level</a:t>
+            </a:r>
+          </a:p>
+          <a:p>
+            <a:pPr lvl="0"/>
+            <a:r>
+              <a:rPr lang="en-US" dirty="0"/>
+              <a:t>CLICK TO EDIT MASTER TEXT STYLES</a:t>
+            </a:r>
+          </a:p>
+          <a:p>
+            <a:pPr lvl="1"/>
+            <a:r>
+              <a:rPr lang="en-US" dirty="0"/>
+              <a:t>Second level text </a:t>
+            </a:r>
+          </a:p>
+          <a:p>
+            <a:pPr lvl="2"/>
+            <a:r>
+              <a:rPr lang="en-US" dirty="0"/>
+              <a:t>Third level</a:t>
+            </a:r>
+          </a:p>
+          <a:p>
+            <a:pPr marL="857250" marR="0" lvl="2" indent="-171450" algn="l" defTabSz="685800" rtl="0" eaLnBrk="1" fontAlgn="auto" latinLnBrk="0" hangingPunct="1">
+              <a:lnSpc>
+                <a:spcPts val="1725"/>
+              </a:lnSpc>
+              <a:spcBef>
+                <a:spcPts val="375"/>
+              </a:spcBef>
+              <a:spcAft>
+                <a:spcPts val="0"/>
+              </a:spcAft>
+              <a:buClr>
+                <a:srgbClr val="005BBB"/>
+              </a:buClr>
+              <a:buSzTx/>
+              <a:buFont typeface="LucidaGrande" charset="0"/>
+              <a:buChar char="-"/>
+              <a:tabLst/>
+              <a:defRPr/>
+            </a:pPr>
+            <a:r>
+              <a:rPr lang="en-US" dirty="0"/>
+              <a:t>Third level</a:t>
+            </a:r>
+          </a:p>
+        </p:txBody>
+      </p:sp>
+      <p:sp>
+        <p:nvSpPr>
+          <p:cNvPr id="7" name="Title 1"/>
+          <p:cNvSpPr>
+            <a:spLocks noGrp="1"/>
+          </p:cNvSpPr>
+          <p:nvPr>
+            <p:ph type="title" hasCustomPrompt="1"/>
+          </p:nvPr>
+        </p:nvSpPr>
+        <p:spPr>
+          <a:xfrm>
+            <a:off x="571316" y="733088"/>
+            <a:ext cx="7886700" cy="868430"/>
+          </a:xfrm>
+          <a:prstGeom prst="rect">
+            <a:avLst/>
+          </a:prstGeom>
+        </p:spPr>
+        <p:txBody>
+          <a:bodyPr/>
+          <a:lstStyle>
+            <a:lvl1pPr>
+              <a:defRPr>
+                <a:latin typeface="Arial" panose="020B0604020202020204" pitchFamily="34" charset="0"/>
+                <a:cs typeface="Arial" panose="020B0604020202020204" pitchFamily="34" charset="0"/>
+              </a:defRPr>
+            </a:lvl1pPr>
+          </a:lstStyle>
+          <a:p>
+            <a:r>
+              <a:rPr lang="en-US" dirty="0"/>
+              <a:t>Click to edit title</a:t>
+            </a:r>
+          </a:p>
+        </p:txBody>
+      </p:sp>
+      <p:sp>
+        <p:nvSpPr>
+          <p:cNvPr id="9" name="Slide Number Placeholder 4">
+            <a:extLst>
+              <a:ext uri="{FF2B5EF4-FFF2-40B4-BE49-F238E27FC236}">
+                <a16:creationId xmlns:a16="http://schemas.microsoft.com/office/drawing/2014/main" id="{AE5F231E-627F-D347-813F-24EE8B027F4B}"/>
+              </a:ext>
+            </a:extLst>
+          </p:cNvPr>
+          <p:cNvSpPr>
+            <a:spLocks noGrp="1"/>
+          </p:cNvSpPr>
+          <p:nvPr>
+            <p:ph type="sldNum" sz="quarter" idx="4"/>
+          </p:nvPr>
+        </p:nvSpPr>
+        <p:spPr>
+          <a:xfrm>
+            <a:off x="6324416" y="6437963"/>
+            <a:ext cx="2133600" cy="365125"/>
+          </a:xfrm>
+          <a:prstGeom prst="rect">
+            <a:avLst/>
+          </a:prstGeom>
+        </p:spPr>
+        <p:txBody>
+          <a:bodyPr vert="horz" lIns="91440" tIns="45720" rIns="91440" bIns="45720" rtlCol="0" anchor="ctr"/>
+          <a:lstStyle>
+            <a:lvl1pPr algn="r">
+              <a:defRPr sz="1000">
+                <a:solidFill>
+                  <a:schemeClr val="bg1"/>
+                </a:solidFill>
+                <a:latin typeface="Arial" panose="020B0604020202020204" pitchFamily="34" charset="0"/>
+                <a:cs typeface="Arial" panose="020B0604020202020204" pitchFamily="34" charset="0"/>
+              </a:defRPr>
+            </a:lvl1pPr>
+          </a:lstStyle>
+          <a:p>
+            <a:fld id="{DFF3CF64-7C58-ED48-B151-C0AF0EEF3592}" type="slidenum">
+              <a:rPr lang="en-US" smtClean="0"/>
+              <a:pPr/>
+              <a:t>‹#›</a:t>
+            </a:fld>
+            <a:endParaRPr lang="en-US" dirty="0"/>
+          </a:p>
+        </p:txBody>
+      </p:sp>
+    </p:spTree>
+    <p:extLst>
+      <p:ext uri="{BB962C8B-B14F-4D97-AF65-F5344CB8AC3E}">
+        <p14:creationId xmlns:p14="http://schemas.microsoft.com/office/powerpoint/2010/main" val="1772397538"/>
+      </p:ext>
+    </p:extLst>
+  </p:cSld>
+  <p:clrMapOvr>
+    <a:masterClrMapping/>
+  </p:clrMapOvr>
+</p:sldLayout>
+</file>
+
+<file path=ppt/slideLayouts/slideLayout16.xml><?xml version="1.0" encoding="utf-8"?>
+<p:sldLayout xmlns:a="http://schemas.openxmlformats.org/drawingml/2006/main" xmlns:r="http://schemas.openxmlformats.org/officeDocument/2006/relationships" xmlns:p="http://schemas.openxmlformats.org/presentationml/2006/main" userDrawn="1">
+  <p:cSld name="11_Custom Layout">
+    <p:spTree>
+      <p:nvGrpSpPr>
+        <p:cNvPr id="1" name=""/>
+        <p:cNvGrpSpPr/>
+        <p:nvPr/>
+      </p:nvGrpSpPr>
+      <p:grpSpPr>
+        <a:xfrm>
+          <a:off x="0" y="0"/>
+          <a:ext cx="0" cy="0"/>
+          <a:chOff x="0" y="0"/>
+          <a:chExt cx="0" cy="0"/>
+        </a:xfrm>
+      </p:grpSpPr>
+      <p:sp>
+        <p:nvSpPr>
+          <p:cNvPr id="6" name="Text Placeholder 15"/>
+          <p:cNvSpPr>
+            <a:spLocks noGrp="1"/>
+          </p:cNvSpPr>
+          <p:nvPr>
+            <p:ph type="body" sz="quarter" idx="16" hasCustomPrompt="1"/>
+          </p:nvPr>
+        </p:nvSpPr>
+        <p:spPr>
+          <a:xfrm>
+            <a:off x="571316" y="1735998"/>
+            <a:ext cx="7886700" cy="4258402"/>
+          </a:xfrm>
+          <a:prstGeom prst="rect">
+            <a:avLst/>
+          </a:prstGeom>
+        </p:spPr>
+        <p:txBody>
+          <a:bodyPr/>
+          <a:lstStyle>
+            <a:lvl1pPr marL="285750" indent="-285750">
+              <a:spcBef>
+                <a:spcPts val="600"/>
+              </a:spcBef>
+              <a:buClr>
+                <a:srgbClr val="1D4F91"/>
+              </a:buClr>
+              <a:buFont typeface="Arial"/>
+              <a:buChar char="•"/>
+              <a:defRPr/>
+            </a:lvl1pPr>
+          </a:lstStyle>
+          <a:p>
+            <a:r>
+              <a:rPr lang="en-US" dirty="0" err="1"/>
+              <a:t>Lpsum</a:t>
+            </a:r>
+            <a:r>
+              <a:rPr lang="en-US" dirty="0"/>
+              <a:t> dolor sit </a:t>
+            </a:r>
+            <a:r>
+              <a:rPr lang="en-US" dirty="0" err="1"/>
+              <a:t>amet</a:t>
+            </a:r>
+            <a:r>
+              <a:rPr lang="en-US" dirty="0"/>
+              <a:t>, </a:t>
+            </a:r>
+            <a:r>
+              <a:rPr lang="en-US" dirty="0" err="1"/>
+              <a:t>consectetur</a:t>
+            </a:r>
+            <a:r>
+              <a:rPr lang="en-US" dirty="0"/>
+              <a:t> </a:t>
+            </a:r>
+            <a:r>
+              <a:rPr lang="en-US" dirty="0" err="1"/>
+              <a:t>adipiscing</a:t>
+            </a:r>
+            <a:r>
+              <a:rPr lang="en-US" dirty="0"/>
+              <a:t> </a:t>
+            </a:r>
+            <a:r>
+              <a:rPr lang="en-US" dirty="0" err="1"/>
+              <a:t>elit</a:t>
+            </a:r>
+            <a:r>
+              <a:rPr lang="en-US" dirty="0"/>
+              <a:t>. </a:t>
+            </a:r>
+          </a:p>
+          <a:p>
+            <a:r>
+              <a:rPr lang="en-US" dirty="0" err="1"/>
+              <a:t>Mauris</a:t>
+            </a:r>
+            <a:r>
+              <a:rPr lang="en-US" dirty="0"/>
+              <a:t> </a:t>
+            </a:r>
+            <a:r>
+              <a:rPr lang="en-US" dirty="0" err="1"/>
+              <a:t>vehicula</a:t>
+            </a:r>
+            <a:r>
+              <a:rPr lang="en-US" dirty="0"/>
+              <a:t> dui in </a:t>
+            </a:r>
+            <a:r>
+              <a:rPr lang="en-US" dirty="0" err="1"/>
+              <a:t>neque</a:t>
+            </a:r>
+            <a:r>
+              <a:rPr lang="en-US" dirty="0"/>
+              <a:t> </a:t>
+            </a:r>
+            <a:r>
+              <a:rPr lang="en-US" dirty="0" err="1"/>
+              <a:t>dignissim</a:t>
+            </a:r>
+            <a:endParaRPr lang="en-US" dirty="0"/>
+          </a:p>
+          <a:p>
+            <a:r>
+              <a:rPr lang="en-US" dirty="0"/>
+              <a:t>In </a:t>
+            </a:r>
+            <a:r>
+              <a:rPr lang="en-US" dirty="0" err="1"/>
+              <a:t>aliquet</a:t>
+            </a:r>
+            <a:r>
+              <a:rPr lang="en-US" dirty="0"/>
+              <a:t> </a:t>
+            </a:r>
+            <a:r>
+              <a:rPr lang="en-US" dirty="0" err="1"/>
+              <a:t>nisl</a:t>
+            </a:r>
+            <a:r>
+              <a:rPr lang="en-US" dirty="0"/>
+              <a:t> </a:t>
+            </a:r>
+            <a:r>
+              <a:rPr lang="en-US" dirty="0" err="1"/>
+              <a:t>varius</a:t>
+            </a:r>
+            <a:r>
+              <a:rPr lang="en-US" dirty="0"/>
+              <a:t>. </a:t>
+            </a:r>
+          </a:p>
+          <a:p>
+            <a:r>
+              <a:rPr lang="en-US" dirty="0" err="1"/>
+              <a:t>Sed</a:t>
+            </a:r>
+            <a:r>
+              <a:rPr lang="en-US" dirty="0"/>
+              <a:t> a </a:t>
+            </a:r>
+            <a:r>
+              <a:rPr lang="en-US" dirty="0" err="1"/>
+              <a:t>erat</a:t>
+            </a:r>
+            <a:r>
+              <a:rPr lang="en-US" dirty="0"/>
+              <a:t> </a:t>
+            </a:r>
+            <a:r>
+              <a:rPr lang="en-US" dirty="0" err="1"/>
+              <a:t>ut</a:t>
+            </a:r>
+            <a:r>
+              <a:rPr lang="en-US" dirty="0"/>
+              <a:t> magna </a:t>
+            </a:r>
+            <a:r>
+              <a:rPr lang="en-US" dirty="0" err="1"/>
+              <a:t>vulputate</a:t>
+            </a:r>
+            <a:r>
+              <a:rPr lang="en-US" dirty="0"/>
+              <a:t> </a:t>
+            </a:r>
+            <a:r>
+              <a:rPr lang="en-US" dirty="0" err="1"/>
+              <a:t>feugiat</a:t>
+            </a:r>
+            <a:r>
+              <a:rPr lang="en-US" dirty="0"/>
+              <a:t>. </a:t>
+            </a:r>
+          </a:p>
+          <a:p>
+            <a:r>
+              <a:rPr lang="en-US" dirty="0" err="1"/>
+              <a:t>Quisque</a:t>
+            </a:r>
+            <a:r>
+              <a:rPr lang="en-US" dirty="0"/>
+              <a:t> </a:t>
+            </a:r>
+            <a:r>
+              <a:rPr lang="en-US" dirty="0" err="1"/>
+              <a:t>varius</a:t>
+            </a:r>
+            <a:r>
+              <a:rPr lang="en-US" dirty="0"/>
+              <a:t> </a:t>
+            </a:r>
+            <a:r>
+              <a:rPr lang="en-US" dirty="0" err="1"/>
+              <a:t>libero</a:t>
+            </a:r>
+            <a:r>
+              <a:rPr lang="en-US" dirty="0"/>
+              <a:t> </a:t>
+            </a:r>
+            <a:r>
+              <a:rPr lang="en-US" dirty="0" err="1"/>
+              <a:t>placerat</a:t>
+            </a:r>
+            <a:r>
+              <a:rPr lang="en-US" dirty="0"/>
+              <a:t> </a:t>
+            </a:r>
+            <a:r>
+              <a:rPr lang="en-US" dirty="0" err="1"/>
+              <a:t>erat</a:t>
+            </a:r>
+            <a:r>
+              <a:rPr lang="en-US" dirty="0"/>
+              <a:t> </a:t>
+            </a:r>
+            <a:r>
+              <a:rPr lang="en-US" dirty="0" err="1"/>
+              <a:t>lobortis</a:t>
+            </a:r>
+            <a:r>
+              <a:rPr lang="en-US" dirty="0"/>
+              <a:t> </a:t>
+            </a:r>
+            <a:r>
+              <a:rPr lang="en-US" dirty="0" err="1"/>
+              <a:t>congue</a:t>
+            </a:r>
+            <a:r>
+              <a:rPr lang="en-US" dirty="0"/>
+              <a:t>. </a:t>
+            </a:r>
+          </a:p>
+          <a:p>
+            <a:r>
+              <a:rPr lang="en-US" dirty="0"/>
+              <a:t>Integer a </a:t>
+            </a:r>
+            <a:r>
+              <a:rPr lang="en-US" dirty="0" err="1"/>
+              <a:t>arcu</a:t>
+            </a:r>
+            <a:r>
+              <a:rPr lang="en-US" dirty="0"/>
+              <a:t> </a:t>
+            </a:r>
+            <a:r>
+              <a:rPr lang="en-US" dirty="0" err="1"/>
+              <a:t>vel</a:t>
+            </a:r>
+            <a:r>
+              <a:rPr lang="en-US" dirty="0"/>
+              <a:t> ante </a:t>
+            </a:r>
+            <a:r>
+              <a:rPr lang="en-US" dirty="0" err="1"/>
+              <a:t>bibendum</a:t>
+            </a:r>
+            <a:r>
+              <a:rPr lang="en-US" dirty="0"/>
+              <a:t> </a:t>
+            </a:r>
+            <a:r>
+              <a:rPr lang="en-US" dirty="0" err="1"/>
+              <a:t>scelerisque</a:t>
+            </a:r>
+            <a:r>
+              <a:rPr lang="en-US" dirty="0"/>
+              <a:t>. </a:t>
+            </a:r>
+          </a:p>
+          <a:p>
+            <a:r>
+              <a:rPr lang="en-US" dirty="0"/>
+              <a:t>Class </a:t>
+            </a:r>
+            <a:r>
+              <a:rPr lang="en-US" dirty="0" err="1"/>
+              <a:t>aptent</a:t>
+            </a:r>
+            <a:r>
+              <a:rPr lang="en-US" dirty="0"/>
+              <a:t> </a:t>
+            </a:r>
+            <a:r>
+              <a:rPr lang="en-US" dirty="0" err="1"/>
+              <a:t>taciti</a:t>
+            </a:r>
+            <a:r>
+              <a:rPr lang="en-US" dirty="0"/>
+              <a:t> </a:t>
+            </a:r>
+            <a:r>
+              <a:rPr lang="en-US" dirty="0" err="1"/>
+              <a:t>sociosqu</a:t>
+            </a:r>
+            <a:r>
+              <a:rPr lang="en-US" dirty="0"/>
+              <a:t> ad </a:t>
+            </a:r>
+            <a:r>
+              <a:rPr lang="en-US" dirty="0" err="1"/>
+              <a:t>litora</a:t>
+            </a:r>
+            <a:r>
+              <a:rPr lang="en-US" dirty="0"/>
+              <a:t> </a:t>
+            </a:r>
+            <a:r>
+              <a:rPr lang="en-US" dirty="0" err="1"/>
+              <a:t>torquent</a:t>
+            </a:r>
+            <a:r>
+              <a:rPr lang="en-US" dirty="0"/>
+              <a:t>.</a:t>
+            </a:r>
+          </a:p>
+        </p:txBody>
+      </p:sp>
+      <p:sp>
+        <p:nvSpPr>
+          <p:cNvPr id="11" name="Title 1"/>
+          <p:cNvSpPr>
+            <a:spLocks noGrp="1"/>
+          </p:cNvSpPr>
+          <p:nvPr>
+            <p:ph type="title" hasCustomPrompt="1"/>
+          </p:nvPr>
+        </p:nvSpPr>
+        <p:spPr>
+          <a:xfrm>
+            <a:off x="571316" y="735519"/>
+            <a:ext cx="7886700" cy="868430"/>
+          </a:xfrm>
+          <a:prstGeom prst="rect">
+            <a:avLst/>
+          </a:prstGeom>
+        </p:spPr>
+        <p:txBody>
+          <a:bodyPr/>
+          <a:lstStyle/>
+          <a:p>
+            <a:r>
+              <a:rPr lang="en-US" dirty="0"/>
+              <a:t>Click to edit title</a:t>
+            </a:r>
+          </a:p>
+        </p:txBody>
+      </p:sp>
+      <p:sp>
+        <p:nvSpPr>
+          <p:cNvPr id="8" name="Slide Number Placeholder 4">
+            <a:extLst>
+              <a:ext uri="{FF2B5EF4-FFF2-40B4-BE49-F238E27FC236}">
+                <a16:creationId xmlns:a16="http://schemas.microsoft.com/office/drawing/2014/main" id="{FB4CCC98-1928-6840-B7FC-BA09DF3C01CD}"/>
+              </a:ext>
+            </a:extLst>
+          </p:cNvPr>
+          <p:cNvSpPr>
+            <a:spLocks noGrp="1"/>
+          </p:cNvSpPr>
+          <p:nvPr>
+            <p:ph type="sldNum" sz="quarter" idx="4"/>
+          </p:nvPr>
+        </p:nvSpPr>
+        <p:spPr>
+          <a:xfrm>
+            <a:off x="6324416" y="6437963"/>
+            <a:ext cx="2133600" cy="365125"/>
+          </a:xfrm>
+          <a:prstGeom prst="rect">
+            <a:avLst/>
+          </a:prstGeom>
+        </p:spPr>
+        <p:txBody>
+          <a:bodyPr vert="horz" lIns="91440" tIns="45720" rIns="91440" bIns="45720" rtlCol="0" anchor="ctr"/>
+          <a:lstStyle>
+            <a:lvl1pPr algn="r">
+              <a:defRPr sz="1000">
+                <a:solidFill>
+                  <a:schemeClr val="bg1"/>
+                </a:solidFill>
+                <a:latin typeface="Arial" panose="020B0604020202020204" pitchFamily="34" charset="0"/>
+                <a:cs typeface="Arial" panose="020B0604020202020204" pitchFamily="34" charset="0"/>
+              </a:defRPr>
+            </a:lvl1pPr>
+          </a:lstStyle>
+          <a:p>
+            <a:fld id="{DFF3CF64-7C58-ED48-B151-C0AF0EEF3592}" type="slidenum">
+              <a:rPr lang="en-US" smtClean="0"/>
+              <a:pPr/>
+              <a:t>‹#›</a:t>
+            </a:fld>
+            <a:endParaRPr lang="en-US" dirty="0"/>
+          </a:p>
+        </p:txBody>
+      </p:sp>
+    </p:spTree>
+    <p:extLst>
+      <p:ext uri="{BB962C8B-B14F-4D97-AF65-F5344CB8AC3E}">
+        <p14:creationId xmlns:p14="http://schemas.microsoft.com/office/powerpoint/2010/main" val="3565770305"/>
+      </p:ext>
+    </p:extLst>
+  </p:cSld>
+  <p:clrMapOvr>
+    <a:masterClrMapping/>
+  </p:clrMapOvr>
+</p:sldLayout>
+</file>
+
+<file path=ppt/slideLayouts/slideLayout17.xml><?xml version="1.0" encoding="utf-8"?>
+<p:sldLayout xmlns:a="http://schemas.openxmlformats.org/drawingml/2006/main" xmlns:r="http://schemas.openxmlformats.org/officeDocument/2006/relationships" xmlns:p="http://schemas.openxmlformats.org/presentationml/2006/main" userDrawn="1">
+  <p:cSld name="12_Custom Layout">
+    <p:spTree>
+      <p:nvGrpSpPr>
+        <p:cNvPr id="1" name=""/>
+        <p:cNvGrpSpPr/>
+        <p:nvPr/>
+      </p:nvGrpSpPr>
+      <p:grpSpPr>
+        <a:xfrm>
+          <a:off x="0" y="0"/>
+          <a:ext cx="0" cy="0"/>
+          <a:chOff x="0" y="0"/>
+          <a:chExt cx="0" cy="0"/>
+        </a:xfrm>
+      </p:grpSpPr>
+      <p:pic>
+        <p:nvPicPr>
+          <p:cNvPr id="5" name="Picture 4">
+            <a:extLst>
+              <a:ext uri="{FF2B5EF4-FFF2-40B4-BE49-F238E27FC236}">
+                <a16:creationId xmlns:a16="http://schemas.microsoft.com/office/drawing/2014/main" id="{5CCB2476-02A5-5B47-B943-E201EA9FE5DE}"/>
+              </a:ext>
+            </a:extLst>
+          </p:cNvPr>
+          <p:cNvPicPr>
+            <a:picLocks noChangeAspect="1"/>
+          </p:cNvPicPr>
+          <p:nvPr userDrawn="1"/>
+        </p:nvPicPr>
+        <p:blipFill>
+          <a:blip r:embed="rId2"/>
+          <a:stretch>
+            <a:fillRect/>
+          </a:stretch>
+        </p:blipFill>
+        <p:spPr>
+          <a:xfrm>
+            <a:off x="0" y="3048"/>
+            <a:ext cx="9144000" cy="6851904"/>
+          </a:xfrm>
+          <a:prstGeom prst="rect">
+            <a:avLst/>
+          </a:prstGeom>
+        </p:spPr>
+      </p:pic>
+      <p:sp>
+        <p:nvSpPr>
+          <p:cNvPr id="9" name="Text Placeholder 5">
+            <a:extLst>
+              <a:ext uri="{FF2B5EF4-FFF2-40B4-BE49-F238E27FC236}">
+                <a16:creationId xmlns:a16="http://schemas.microsoft.com/office/drawing/2014/main" id="{16506DC0-0080-A940-AD4B-0B33B74192C2}"/>
+              </a:ext>
+            </a:extLst>
+          </p:cNvPr>
+          <p:cNvSpPr>
+            <a:spLocks noGrp="1"/>
+          </p:cNvSpPr>
+          <p:nvPr>
+            <p:ph type="body" sz="quarter" idx="11" hasCustomPrompt="1"/>
+          </p:nvPr>
+        </p:nvSpPr>
+        <p:spPr>
+          <a:xfrm>
+            <a:off x="569110" y="3505738"/>
+            <a:ext cx="6638544" cy="1154152"/>
+          </a:xfrm>
+          <a:prstGeom prst="rect">
+            <a:avLst/>
+          </a:prstGeom>
+        </p:spPr>
+        <p:txBody>
+          <a:bodyPr lIns="0">
+            <a:normAutofit/>
+          </a:bodyPr>
+          <a:lstStyle>
+            <a:lvl1pPr marL="0" indent="0">
+              <a:lnSpc>
+                <a:spcPct val="90000"/>
+              </a:lnSpc>
+              <a:spcBef>
+                <a:spcPts val="0"/>
+              </a:spcBef>
+              <a:buNone/>
+              <a:defRPr sz="3200" b="0" i="0">
+                <a:solidFill>
+                  <a:schemeClr val="bg1"/>
+                </a:solidFill>
+                <a:latin typeface="Arial" panose="020B0604020202020204" pitchFamily="34" charset="0"/>
+                <a:ea typeface="Arial" panose="020B0604020202020204" pitchFamily="34" charset="0"/>
+                <a:cs typeface="Arial" panose="020B0604020202020204" pitchFamily="34" charset="0"/>
+              </a:defRPr>
+            </a:lvl1pPr>
+          </a:lstStyle>
+          <a:p>
+            <a:pPr lvl="0"/>
+            <a:r>
+              <a:rPr lang="en-US" dirty="0"/>
+              <a:t>Sub-topic Line One</a:t>
+            </a:r>
+          </a:p>
+          <a:p>
+            <a:pPr lvl="0"/>
+            <a:r>
+              <a:rPr lang="en-US" dirty="0"/>
+              <a:t>Line Two</a:t>
+            </a:r>
+          </a:p>
+        </p:txBody>
+      </p:sp>
+      <p:sp>
+        <p:nvSpPr>
+          <p:cNvPr id="10" name="Text Placeholder 11">
+            <a:extLst>
+              <a:ext uri="{FF2B5EF4-FFF2-40B4-BE49-F238E27FC236}">
+                <a16:creationId xmlns:a16="http://schemas.microsoft.com/office/drawing/2014/main" id="{4A7FDD61-5EE2-FF40-A2EC-474933D144E0}"/>
+              </a:ext>
+            </a:extLst>
+          </p:cNvPr>
+          <p:cNvSpPr>
+            <a:spLocks noGrp="1"/>
+          </p:cNvSpPr>
+          <p:nvPr>
+            <p:ph type="body" sz="quarter" idx="12" hasCustomPrompt="1"/>
+          </p:nvPr>
+        </p:nvSpPr>
+        <p:spPr>
+          <a:xfrm>
+            <a:off x="569110" y="4762500"/>
+            <a:ext cx="6638544" cy="769370"/>
+          </a:xfrm>
+          <a:prstGeom prst="rect">
+            <a:avLst/>
+          </a:prstGeom>
+          <a:noFill/>
+          <a:ln>
+            <a:noFill/>
+          </a:ln>
+        </p:spPr>
+        <p:txBody>
+          <a:bodyPr lIns="0" anchor="t" anchorCtr="0">
+            <a:normAutofit/>
+          </a:bodyPr>
+          <a:lstStyle>
+            <a:lvl1pPr marL="0" indent="0" algn="l">
+              <a:spcBef>
+                <a:spcPts val="0"/>
+              </a:spcBef>
+              <a:buNone/>
+              <a:defRPr sz="2000" b="0" i="0" baseline="0">
+                <a:solidFill>
+                  <a:schemeClr val="bg1"/>
+                </a:solidFill>
+                <a:latin typeface="Arial" panose="020B0604020202020204" pitchFamily="34" charset="0"/>
+                <a:cs typeface="Arial" panose="020B0604020202020204" pitchFamily="34" charset="0"/>
+              </a:defRPr>
+            </a:lvl1pPr>
+          </a:lstStyle>
+          <a:p>
+            <a:pPr lvl="0"/>
+            <a:r>
+              <a:rPr lang="en-US" dirty="0"/>
+              <a:t>Author Name  </a:t>
+            </a:r>
+          </a:p>
+        </p:txBody>
+      </p:sp>
+      <p:sp>
+        <p:nvSpPr>
+          <p:cNvPr id="11" name="Title 1">
+            <a:extLst>
+              <a:ext uri="{FF2B5EF4-FFF2-40B4-BE49-F238E27FC236}">
+                <a16:creationId xmlns:a16="http://schemas.microsoft.com/office/drawing/2014/main" id="{676DFC7D-A607-4742-9DC5-90E630FA86A0}"/>
+              </a:ext>
+            </a:extLst>
+          </p:cNvPr>
+          <p:cNvSpPr>
+            <a:spLocks noGrp="1"/>
+          </p:cNvSpPr>
+          <p:nvPr>
+            <p:ph type="ctrTitle" hasCustomPrompt="1"/>
+          </p:nvPr>
+        </p:nvSpPr>
+        <p:spPr>
+          <a:xfrm>
+            <a:off x="569110" y="1029365"/>
+            <a:ext cx="6638544" cy="2386584"/>
+          </a:xfrm>
+          <a:prstGeom prst="rect">
+            <a:avLst/>
+          </a:prstGeom>
+          <a:ln>
+            <a:noFill/>
+          </a:ln>
+        </p:spPr>
+        <p:txBody>
+          <a:bodyPr lIns="0" anchor="b">
+            <a:normAutofit/>
+          </a:bodyPr>
+          <a:lstStyle>
+            <a:lvl1pPr algn="l">
+              <a:lnSpc>
+                <a:spcPts val="4350"/>
+              </a:lnSpc>
+              <a:defRPr sz="5200" b="0" i="0" cap="all" baseline="0">
+                <a:solidFill>
+                  <a:srgbClr val="FFFFFF"/>
+                </a:solidFill>
+                <a:latin typeface="Arial" panose="020B0604020202020204" pitchFamily="34" charset="0"/>
+                <a:ea typeface="Arial" panose="020B0604020202020204" pitchFamily="34" charset="0"/>
+                <a:cs typeface="Arial" panose="020B0604020202020204" pitchFamily="34" charset="0"/>
+              </a:defRPr>
+            </a:lvl1pPr>
+          </a:lstStyle>
+          <a:p>
+            <a:r>
+              <a:rPr lang="en-US" dirty="0"/>
+              <a:t>Presentation</a:t>
+            </a:r>
+            <a:br>
+              <a:rPr lang="en-US" dirty="0"/>
+            </a:br>
+            <a:r>
+              <a:rPr lang="en-US" dirty="0"/>
+              <a:t>Title</a:t>
+            </a:r>
+          </a:p>
+        </p:txBody>
+      </p:sp>
+      <p:pic>
+        <p:nvPicPr>
+          <p:cNvPr id="7" name="Picture 6">
+            <a:extLst>
+              <a:ext uri="{FF2B5EF4-FFF2-40B4-BE49-F238E27FC236}">
+                <a16:creationId xmlns:a16="http://schemas.microsoft.com/office/drawing/2014/main" id="{8E3AE654-F18D-6245-8848-994732D3C20A}"/>
+              </a:ext>
+            </a:extLst>
+          </p:cNvPr>
+          <p:cNvPicPr>
+            <a:picLocks noChangeAspect="1"/>
+          </p:cNvPicPr>
+          <p:nvPr userDrawn="1"/>
+        </p:nvPicPr>
+        <p:blipFill>
+          <a:blip r:embed="rId3"/>
+          <a:stretch>
+            <a:fillRect/>
+          </a:stretch>
+        </p:blipFill>
+        <p:spPr>
+          <a:xfrm>
+            <a:off x="574682" y="6305414"/>
+            <a:ext cx="2878683" cy="393153"/>
+          </a:xfrm>
+          <a:prstGeom prst="rect">
+            <a:avLst/>
+          </a:prstGeom>
+        </p:spPr>
+      </p:pic>
+    </p:spTree>
+    <p:extLst>
+      <p:ext uri="{BB962C8B-B14F-4D97-AF65-F5344CB8AC3E}">
+        <p14:creationId xmlns:p14="http://schemas.microsoft.com/office/powerpoint/2010/main" val="64842035"/>
+      </p:ext>
+    </p:extLst>
+  </p:cSld>
+  <p:clrMapOvr>
+    <a:masterClrMapping/>
+  </p:clrMapOvr>
+</p:sldLayout>
+</file>
+
 <file path=ppt/slideLayouts/slideLayout2.xml><?xml version="1.0" encoding="utf-8"?>
 <p:sldLayout xmlns:a="http://schemas.openxmlformats.org/drawingml/2006/main" xmlns:r="http://schemas.openxmlformats.org/officeDocument/2006/relationships" xmlns:p="http://schemas.openxmlformats.org/presentationml/2006/main" preserve="1" userDrawn="1">
   <p:cSld name="9_Custom Layout">
@@ -5106,7 +6354,7 @@
           <p:nvPr userDrawn="1"/>
         </p:nvPicPr>
         <p:blipFill>
-          <a:blip r:embed="rId15"/>
+          <a:blip r:embed="rId19"/>
           <a:stretch>
             <a:fillRect/>
           </a:stretch>
@@ -5257,7 +6505,7 @@
           <p:nvPr userDrawn="1"/>
         </p:nvPicPr>
         <p:blipFill>
-          <a:blip r:embed="rId16"/>
+          <a:blip r:embed="rId20"/>
           <a:stretch>
             <a:fillRect/>
           </a:stretch>
@@ -5294,6 +6542,10 @@
     <p:sldLayoutId id="2147483925" r:id="rId11"/>
     <p:sldLayoutId id="2147483926" r:id="rId12"/>
     <p:sldLayoutId id="2147483927" r:id="rId13"/>
+    <p:sldLayoutId id="2147483990" r:id="rId14"/>
+    <p:sldLayoutId id="2147483991" r:id="rId15"/>
+    <p:sldLayoutId id="2147483992" r:id="rId16"/>
+    <p:sldLayoutId id="2147483993" r:id="rId17"/>
   </p:sldLayoutIdLst>
   <p:hf hdr="0" dt="0"/>
   <p:txStyles>
@@ -5668,6 +6920,14 @@
 <file path=ppt/slides/slide1.xml><?xml version="1.0" encoding="utf-8"?>
 <p:sld xmlns:a="http://schemas.openxmlformats.org/drawingml/2006/main" xmlns:r="http://schemas.openxmlformats.org/officeDocument/2006/relationships" xmlns:p="http://schemas.openxmlformats.org/presentationml/2006/main">
   <p:cSld>
+    <p:bg>
+      <p:bgPr>
+        <a:solidFill>
+          <a:schemeClr val="bg1"/>
+        </a:solidFill>
+        <a:effectLst/>
+      </p:bgPr>
+    </p:bg>
     <p:spTree>
       <p:nvGrpSpPr>
         <p:cNvPr id="1" name=""/>
@@ -5682,46 +6942,6 @@
           <a:chExt cx="0" cy="0"/>
         </a:xfrm>
       </p:grpSpPr>
-      <p:sp>
-        <p:nvSpPr>
-          <p:cNvPr id="15" name="Text Placeholder 1">
-            <a:extLst>
-              <a:ext uri="{FF2B5EF4-FFF2-40B4-BE49-F238E27FC236}">
-                <a16:creationId xmlns:a16="http://schemas.microsoft.com/office/drawing/2014/main" id="{DBA55A8B-3DE7-7E91-8395-00627FDF3F59}"/>
-              </a:ext>
-            </a:extLst>
-          </p:cNvPr>
-          <p:cNvSpPr>
-            <a:spLocks noGrp="1"/>
-          </p:cNvSpPr>
-          <p:nvPr>
-            <p:ph type="body" sz="quarter" idx="11"/>
-          </p:nvPr>
-        </p:nvSpPr>
-        <p:spPr>
-          <a:xfrm>
-            <a:off x="569110" y="3505738"/>
-            <a:ext cx="6638544" cy="1154152"/>
-          </a:xfrm>
-        </p:spPr>
-        <p:txBody>
-          <a:bodyPr>
-            <a:normAutofit/>
-          </a:bodyPr>
-          <a:lstStyle/>
-          <a:p>
-            <a:pPr>
-              <a:spcAft>
-                <a:spcPts val="600"/>
-              </a:spcAft>
-            </a:pPr>
-            <a:r>
-              <a:rPr lang="en-US"/>
-              <a:t>Huanyu Chen</a:t>
-            </a:r>
-          </a:p>
-        </p:txBody>
-      </p:sp>
       <p:sp>
         <p:nvSpPr>
           <p:cNvPr id="16" name="Title 2">
@@ -5740,18 +6960,49 @@
         </p:nvSpPr>
         <p:spPr>
           <a:xfrm>
-            <a:off x="569110" y="1029365"/>
-            <a:ext cx="6638544" cy="2386584"/>
+            <a:off x="1406293" y="2019068"/>
+            <a:ext cx="6331413" cy="2386584"/>
           </a:xfrm>
         </p:spPr>
         <p:txBody>
-          <a:bodyPr anchor="b">
+          <a:bodyPr vert="horz" lIns="91440" tIns="45720" rIns="91440" bIns="45720" rtlCol="0" anchor="b">
             <a:normAutofit/>
           </a:bodyPr>
           <a:lstStyle/>
           <a:p>
-            <a:r>
-              <a:rPr lang="en-US"/>
+            <a:pPr>
+              <a:lnSpc>
+                <a:spcPct val="90000"/>
+              </a:lnSpc>
+            </a:pPr>
+            <a:r>
+              <a:rPr lang="en-US" sz="4200" kern="1200" dirty="0">
+                <a:solidFill>
+                  <a:srgbClr val="FFFFFF"/>
+                </a:solidFill>
+                <a:latin typeface="+mj-lt"/>
+                <a:ea typeface="+mj-ea"/>
+                <a:cs typeface="+mj-cs"/>
+              </a:rPr>
+              <a:t>Huanyu</a:t>
+            </a:r>
+            <a:r>
+              <a:rPr lang="en-US" sz="4200" dirty="0">
+                <a:latin typeface="+mj-lt"/>
+                <a:ea typeface="+mj-ea"/>
+                <a:cs typeface="+mj-cs"/>
+              </a:rPr>
+              <a:t> </a:t>
+            </a:r>
+            <a:r>
+              <a:rPr lang="en-US" sz="4200" kern="1200" dirty="0">
+                <a:solidFill>
+                  <a:srgbClr val="FFFFFF"/>
+                </a:solidFill>
+                <a:latin typeface="+mj-lt"/>
+                <a:ea typeface="+mj-ea"/>
+                <a:cs typeface="+mj-cs"/>
+              </a:rPr>
               <a:t>Monthly Update</a:t>
             </a:r>
           </a:p>
@@ -5811,6 +7062,98 @@
   <p:clrMapOvr>
     <a:masterClrMapping/>
   </p:clrMapOvr>
+  <p:timing>
+    <p:tnLst>
+      <p:par>
+        <p:cTn id="1" dur="indefinite" restart="never" nodeType="tmRoot">
+          <p:childTnLst>
+            <p:seq concurrent="1" nextAc="seek">
+              <p:cTn id="2" dur="indefinite" nodeType="mainSeq">
+                <p:childTnLst>
+                  <p:par>
+                    <p:cTn id="3" fill="hold">
+                      <p:stCondLst>
+                        <p:cond delay="indefinite"/>
+                        <p:cond evt="onBegin" delay="0">
+                          <p:tn val="2"/>
+                        </p:cond>
+                      </p:stCondLst>
+                      <p:childTnLst>
+                        <p:par>
+                          <p:cTn id="4" fill="hold">
+                            <p:stCondLst>
+                              <p:cond delay="0"/>
+                            </p:stCondLst>
+                            <p:childTnLst>
+                              <p:par>
+                                <p:cTn id="5" presetID="10" presetClass="entr" presetSubtype="0" fill="hold" grpId="0" nodeType="withEffect">
+                                  <p:stCondLst>
+                                    <p:cond delay="500"/>
+                                  </p:stCondLst>
+                                  <p:iterate type="wd">
+                                    <p:tmPct val="15000"/>
+                                  </p:iterate>
+                                  <p:childTnLst>
+                                    <p:set>
+                                      <p:cBhvr>
+                                        <p:cTn id="6" dur="1" fill="hold">
+                                          <p:stCondLst>
+                                            <p:cond delay="0"/>
+                                          </p:stCondLst>
+                                        </p:cTn>
+                                        <p:tgtEl>
+                                          <p:spTgt spid="16"/>
+                                        </p:tgtEl>
+                                        <p:attrNameLst>
+                                          <p:attrName>style.visibility</p:attrName>
+                                        </p:attrNameLst>
+                                      </p:cBhvr>
+                                      <p:to>
+                                        <p:strVal val="visible"/>
+                                      </p:to>
+                                    </p:set>
+                                    <p:animEffect transition="in" filter="fade">
+                                      <p:cBhvr>
+                                        <p:cTn id="7" dur="1000"/>
+                                        <p:tgtEl>
+                                          <p:spTgt spid="16"/>
+                                        </p:tgtEl>
+                                      </p:cBhvr>
+                                    </p:animEffect>
+                                  </p:childTnLst>
+                                </p:cTn>
+                              </p:par>
+                            </p:childTnLst>
+                          </p:cTn>
+                        </p:par>
+                      </p:childTnLst>
+                    </p:cTn>
+                  </p:par>
+                </p:childTnLst>
+              </p:cTn>
+              <p:prevCondLst>
+                <p:cond evt="onPrev" delay="0">
+                  <p:tgtEl>
+                    <p:sldTgt/>
+                  </p:tgtEl>
+                </p:cond>
+              </p:prevCondLst>
+              <p:nextCondLst>
+                <p:cond evt="onNext" delay="0">
+                  <p:tgtEl>
+                    <p:sldTgt/>
+                  </p:tgtEl>
+                </p:cond>
+              </p:nextCondLst>
+            </p:seq>
+          </p:childTnLst>
+        </p:cTn>
+      </p:par>
+    </p:tnLst>
+    <p:bldLst>
+      <p:bldP spid="16" grpId="0"/>
+    </p:bldLst>
+  </p:timing>
 </p:sld>
 </file>
 
@@ -5853,14 +7196,11 @@
             <p:ph sz="quarter" idx="12"/>
           </p:nvPr>
         </p:nvSpPr>
-        <p:spPr>
-          <a:xfrm>
-            <a:off x="571316" y="1735411"/>
-            <a:ext cx="7886699" cy="4275921"/>
-          </a:xfrm>
-        </p:spPr>
+        <p:spPr/>
         <p:txBody>
-          <a:bodyPr/>
+          <a:bodyPr>
+            <a:normAutofit/>
+          </a:bodyPr>
           <a:lstStyle/>
           <a:p>
             <a:pPr marL="342900" indent="-342900">
@@ -5889,7 +7229,7 @@
             </a:pPr>
             <a:r>
               <a:rPr lang="en-US" dirty="0"/>
-              <a:t>Methods</a:t>
+              <a:t>Methods &amp; Results</a:t>
             </a:r>
           </a:p>
           <a:p>
@@ -5899,7 +7239,7 @@
             </a:pPr>
             <a:r>
               <a:rPr lang="en-US" dirty="0"/>
-              <a:t>Results and Interpretation</a:t>
+              <a:t>Exploratory Data Analysis</a:t>
             </a:r>
           </a:p>
           <a:p>
@@ -5919,7 +7259,17 @@
             </a:pPr>
             <a:r>
               <a:rPr lang="en-US" dirty="0"/>
-              <a:t>Methods</a:t>
+              <a:t>Methods &amp; Results</a:t>
+            </a:r>
+          </a:p>
+          <a:p>
+            <a:pPr marL="342900" indent="-342900">
+              <a:buFont typeface="Arial" panose="020B0604020202020204" pitchFamily="34" charset="0"/>
+              <a:buChar char="•"/>
+            </a:pPr>
+            <a:r>
+              <a:rPr lang="en-US" dirty="0"/>
+              <a:t>SLR Exploration</a:t>
             </a:r>
           </a:p>
           <a:p>
@@ -5929,17 +7279,7 @@
             </a:pPr>
             <a:r>
               <a:rPr lang="en-US" dirty="0"/>
-              <a:t>Results and Interpretation</a:t>
-            </a:r>
-          </a:p>
-          <a:p>
-            <a:pPr marL="342900" indent="-342900">
-              <a:buFont typeface="Arial" panose="020B0604020202020204" pitchFamily="34" charset="0"/>
-              <a:buChar char="•"/>
-            </a:pPr>
-            <a:r>
-              <a:rPr lang="en-US" dirty="0"/>
-              <a:t>Linear Regression Model Exploration</a:t>
+              <a:t>Introduction</a:t>
             </a:r>
           </a:p>
           <a:p>
@@ -5949,25 +7289,8 @@
             </a:pPr>
             <a:r>
               <a:rPr lang="en-US" dirty="0"/>
-              <a:t>Model and Model Performance</a:t>
-            </a:r>
-          </a:p>
-          <a:p>
-            <a:pPr marL="895350" lvl="1" indent="-342900">
-              <a:buFont typeface="Arial" panose="020B0604020202020204" pitchFamily="34" charset="0"/>
-              <a:buChar char="•"/>
-            </a:pPr>
-            <a:r>
-              <a:rPr lang="en-US" dirty="0"/>
-              <a:t>Prediction</a:t>
-            </a:r>
-          </a:p>
-          <a:p>
-            <a:pPr marL="342900" indent="-342900">
-              <a:buFont typeface="Wingdings" pitchFamily="2" charset="2"/>
-              <a:buChar char="q"/>
-            </a:pPr>
-            <a:endParaRPr lang="en-US" dirty="0"/>
+              <a:t>Model Performance</a:t>
+            </a:r>
           </a:p>
         </p:txBody>
       </p:sp>
@@ -5987,12 +7310,7 @@
             <p:ph type="title"/>
           </p:nvPr>
         </p:nvSpPr>
-        <p:spPr>
-          <a:xfrm>
-            <a:off x="571316" y="733088"/>
-            <a:ext cx="7886700" cy="868430"/>
-          </a:xfrm>
-        </p:spPr>
+        <p:spPr/>
         <p:txBody>
           <a:bodyPr/>
           <a:lstStyle/>
@@ -6020,12 +7338,7 @@
             <p:ph type="sldNum" sz="quarter" idx="4"/>
           </p:nvPr>
         </p:nvSpPr>
-        <p:spPr>
-          <a:xfrm>
-            <a:off x="6324416" y="6437963"/>
-            <a:ext cx="2133600" cy="365125"/>
-          </a:xfrm>
-        </p:spPr>
+        <p:spPr/>
         <p:txBody>
           <a:bodyPr anchor="ctr">
             <a:normAutofit/>
@@ -6102,17 +7415,82 @@
             <p:ph sz="quarter" idx="12"/>
           </p:nvPr>
         </p:nvSpPr>
-        <p:spPr>
-          <a:xfrm>
-            <a:off x="571316" y="1735411"/>
-            <a:ext cx="7886699" cy="4275921"/>
-          </a:xfrm>
-        </p:spPr>
+        <p:spPr/>
         <p:txBody>
           <a:bodyPr/>
           <a:lstStyle/>
           <a:p>
-            <a:endParaRPr lang="en-US"/>
+            <a:pPr marL="285750" indent="-285750" algn="just">
+              <a:buFont typeface="Arial" panose="020B0604020202020204" pitchFamily="34" charset="0"/>
+              <a:buChar char="•"/>
+            </a:pPr>
+            <a:endParaRPr lang="en-US" dirty="0">
+              <a:solidFill>
+                <a:schemeClr val="tx1"/>
+              </a:solidFill>
+            </a:endParaRPr>
+          </a:p>
+          <a:p>
+            <a:pPr marL="285750" indent="-285750" algn="just">
+              <a:buFont typeface="Arial" panose="020B0604020202020204" pitchFamily="34" charset="0"/>
+              <a:buChar char="•"/>
+            </a:pPr>
+            <a:r>
+              <a:rPr lang="en-US" dirty="0">
+                <a:solidFill>
+                  <a:schemeClr val="tx1"/>
+                </a:solidFill>
+              </a:rPr>
+              <a:t>This study explored </a:t>
+            </a:r>
+            <a:r>
+              <a:rPr lang="en-US" b="1" dirty="0">
+                <a:solidFill>
+                  <a:schemeClr val="tx1"/>
+                </a:solidFill>
+              </a:rPr>
+              <a:t>UHF-level population data</a:t>
+            </a:r>
+            <a:r>
+              <a:rPr lang="en-US" dirty="0">
+                <a:solidFill>
+                  <a:schemeClr val="tx1"/>
+                </a:solidFill>
+              </a:rPr>
+              <a:t> to understand the </a:t>
+            </a:r>
+            <a:r>
+              <a:rPr lang="en-US" b="1" dirty="0">
+                <a:solidFill>
+                  <a:schemeClr val="tx1"/>
+                </a:solidFill>
+              </a:rPr>
+              <a:t>similarities and differences</a:t>
+            </a:r>
+            <a:r>
+              <a:rPr lang="en-US" dirty="0">
+                <a:solidFill>
+                  <a:schemeClr val="tx1"/>
+                </a:solidFill>
+              </a:rPr>
+              <a:t> across various socio-economic and demographic factors and how these factors influenced </a:t>
+            </a:r>
+            <a:r>
+              <a:rPr lang="en-US" b="1" dirty="0">
+                <a:solidFill>
+                  <a:schemeClr val="tx1"/>
+                </a:solidFill>
+              </a:rPr>
+              <a:t>decision-making patterns </a:t>
+            </a:r>
+            <a:r>
+              <a:rPr lang="en-US" dirty="0">
+                <a:solidFill>
+                  <a:schemeClr val="tx1"/>
+                </a:solidFill>
+              </a:rPr>
+              <a:t>and response to health crises during and after the COVID-19 pandemic.</a:t>
+            </a:r>
           </a:p>
         </p:txBody>
       </p:sp>
@@ -6132,12 +7510,7 @@
             <p:ph type="title"/>
           </p:nvPr>
         </p:nvSpPr>
-        <p:spPr>
-          <a:xfrm>
-            <a:off x="571316" y="733088"/>
-            <a:ext cx="7886700" cy="868430"/>
-          </a:xfrm>
-        </p:spPr>
+        <p:spPr/>
         <p:txBody>
           <a:bodyPr/>
           <a:lstStyle/>
@@ -6165,12 +7538,7 @@
             <p:ph type="sldNum" sz="quarter" idx="4"/>
           </p:nvPr>
         </p:nvSpPr>
-        <p:spPr>
-          <a:xfrm>
-            <a:off x="6324416" y="6437963"/>
-            <a:ext cx="2133600" cy="365125"/>
-          </a:xfrm>
-        </p:spPr>
+        <p:spPr/>
         <p:txBody>
           <a:bodyPr anchor="ctr">
             <a:normAutofit/>
@@ -6249,15 +7617,177 @@
         </p:nvSpPr>
         <p:spPr>
           <a:xfrm>
-            <a:off x="571316" y="1735411"/>
-            <a:ext cx="7886699" cy="4275921"/>
+            <a:off x="571316" y="1450428"/>
+            <a:ext cx="7886699" cy="4560905"/>
           </a:xfrm>
         </p:spPr>
         <p:txBody>
-          <a:bodyPr/>
+          <a:bodyPr>
+            <a:normAutofit fontScale="92500" lnSpcReduction="20000"/>
+          </a:bodyPr>
           <a:lstStyle/>
           <a:p>
-            <a:endParaRPr lang="en-US"/>
+            <a:pPr marL="342900" indent="-342900">
+              <a:buFont typeface="Arial" panose="020B0604020202020204" pitchFamily="34" charset="0"/>
+              <a:buChar char="•"/>
+            </a:pPr>
+            <a:r>
+              <a:rPr lang="en-US" dirty="0"/>
+              <a:t>Merge 3 Scores:</a:t>
+            </a:r>
+          </a:p>
+          <a:p>
+            <a:pPr marL="895350" lvl="1" indent="-342900">
+              <a:buFont typeface="Arial" panose="020B0604020202020204" pitchFamily="34" charset="0"/>
+              <a:buChar char="•"/>
+            </a:pPr>
+            <a:r>
+              <a:rPr lang="en-US" dirty="0"/>
+              <a:t>Agency Score</a:t>
+            </a:r>
+          </a:p>
+          <a:p>
+            <a:pPr marL="895350" lvl="1" indent="-342900">
+              <a:buFont typeface="Arial" panose="020B0604020202020204" pitchFamily="34" charset="0"/>
+              <a:buChar char="•"/>
+            </a:pPr>
+            <a:r>
+              <a:rPr lang="en-US" dirty="0"/>
+              <a:t>Temporal Discounting Score</a:t>
+            </a:r>
+          </a:p>
+          <a:p>
+            <a:pPr marL="895350" lvl="1" indent="-342900">
+              <a:buFont typeface="Arial" panose="020B0604020202020204" pitchFamily="34" charset="0"/>
+              <a:buChar char="•"/>
+            </a:pPr>
+            <a:r>
+              <a:rPr lang="en-US" dirty="0"/>
+              <a:t>Loss Aversion Score</a:t>
+            </a:r>
+          </a:p>
+          <a:p>
+            <a:pPr marL="342900" indent="-342900">
+              <a:buFont typeface="Arial" panose="020B0604020202020204" pitchFamily="34" charset="0"/>
+              <a:buChar char="•"/>
+            </a:pPr>
+            <a:endParaRPr lang="en-US" dirty="0"/>
+          </a:p>
+          <a:p>
+            <a:pPr marL="342900" indent="-342900">
+              <a:buFont typeface="Arial" panose="020B0604020202020204" pitchFamily="34" charset="0"/>
+              <a:buChar char="•"/>
+            </a:pPr>
+            <a:r>
+              <a:rPr lang="en-US" dirty="0"/>
+              <a:t>Standardization:  </a:t>
+            </a:r>
+          </a:p>
+          <a:p>
+            <a:pPr marL="895350" lvl="1" indent="-342900">
+              <a:buFont typeface="Arial" panose="020B0604020202020204" pitchFamily="34" charset="0"/>
+              <a:buChar char="•"/>
+            </a:pPr>
+            <a:r>
+              <a:rPr lang="en-US" dirty="0"/>
+              <a:t>Scaled all scores to a range of 1-100</a:t>
+            </a:r>
+          </a:p>
+          <a:p>
+            <a:pPr marL="342900" indent="-342900">
+              <a:buFont typeface="Arial" panose="020B0604020202020204" pitchFamily="34" charset="0"/>
+              <a:buChar char="•"/>
+            </a:pPr>
+            <a:endParaRPr lang="en-US" dirty="0"/>
+          </a:p>
+          <a:p>
+            <a:pPr marL="342900" indent="-342900">
+              <a:buFont typeface="Arial" panose="020B0604020202020204" pitchFamily="34" charset="0"/>
+              <a:buChar char="•"/>
+            </a:pPr>
+            <a:r>
+              <a:rPr lang="en-US" dirty="0"/>
+              <a:t>Summarizing Data:</a:t>
+            </a:r>
+          </a:p>
+          <a:p>
+            <a:pPr marL="895350" lvl="1" indent="-342900">
+              <a:buFont typeface="Arial" panose="020B0604020202020204" pitchFamily="34" charset="0"/>
+              <a:buChar char="•"/>
+            </a:pPr>
+            <a:r>
+              <a:rPr lang="en-US" dirty="0"/>
+              <a:t>Combined scores and participants at the UHF level</a:t>
+            </a:r>
+          </a:p>
+          <a:p>
+            <a:pPr marL="895350" lvl="1" indent="-342900">
+              <a:buFont typeface="Arial" panose="020B0604020202020204" pitchFamily="34" charset="0"/>
+              <a:buChar char="•"/>
+            </a:pPr>
+            <a:r>
+              <a:rPr lang="en-US" dirty="0"/>
+              <a:t>Calculated the median score for each UHF</a:t>
+            </a:r>
+          </a:p>
+          <a:p>
+            <a:pPr marL="342900" indent="-342900">
+              <a:buFont typeface="Arial" panose="020B0604020202020204" pitchFamily="34" charset="0"/>
+              <a:buChar char="•"/>
+            </a:pPr>
+            <a:endParaRPr lang="en-US" dirty="0"/>
+          </a:p>
+          <a:p>
+            <a:pPr marL="342900" indent="-342900">
+              <a:buFont typeface="Arial" panose="020B0604020202020204" pitchFamily="34" charset="0"/>
+              <a:buChar char="•"/>
+            </a:pPr>
+            <a:r>
+              <a:rPr lang="en-US" dirty="0"/>
+              <a:t>Filtering:  </a:t>
+            </a:r>
+          </a:p>
+          <a:p>
+            <a:pPr marL="895350" lvl="1" indent="-342900">
+              <a:buFont typeface="Arial" panose="020B0604020202020204" pitchFamily="34" charset="0"/>
+              <a:buChar char="•"/>
+            </a:pPr>
+            <a:r>
+              <a:rPr lang="en-US" dirty="0"/>
+              <a:t>Filtered UHF levels where participants &gt; 15</a:t>
+            </a:r>
+            <a:r>
+              <a:rPr lang="zh-CN" altLang="en-US" dirty="0"/>
+              <a:t> </a:t>
+            </a:r>
+            <a:r>
+              <a:rPr lang="en-US" altLang="zh-CN" dirty="0"/>
+              <a:t>and got 18 regions in total</a:t>
+            </a:r>
+            <a:endParaRPr lang="en-US" dirty="0"/>
+          </a:p>
+          <a:p>
+            <a:pPr marL="895350" lvl="1" indent="-342900">
+              <a:buFont typeface="Arial" panose="020B0604020202020204" pitchFamily="34" charset="0"/>
+              <a:buChar char="•"/>
+            </a:pPr>
+            <a:r>
+              <a:rPr lang="en-US" dirty="0"/>
+              <a:t>Exported the results into </a:t>
+            </a:r>
+            <a:r>
+              <a:rPr lang="en-US" dirty="0">
+                <a:hlinkClick r:id="rId2">
+                  <a:extLst>
+                    <a:ext uri="{A12FA001-AC4F-418D-AE19-62706E023703}">
+                      <ahyp:hlinkClr xmlns:ahyp="http://schemas.microsoft.com/office/drawing/2018/hyperlinkcolor" val="tx"/>
+                    </a:ext>
+                  </a:extLst>
+                </a:hlinkClick>
+              </a:rPr>
+              <a:t>1_output/dat_merge_2_UHF&gt;=15.csv</a:t>
+            </a:r>
+            <a:endParaRPr lang="en-US" dirty="0"/>
           </a:p>
         </p:txBody>
       </p:sp>
@@ -6279,8 +7809,8 @@
         </p:nvSpPr>
         <p:spPr>
           <a:xfrm>
-            <a:off x="571316" y="733088"/>
-            <a:ext cx="7886700" cy="868430"/>
+            <a:off x="571315" y="588580"/>
+            <a:ext cx="7886700" cy="609600"/>
           </a:xfrm>
         </p:spPr>
         <p:txBody>
@@ -6292,7 +7822,7 @@
             <a:pPr marL="342900" indent="-342900"/>
             <a:r>
               <a:rPr lang="en-US" dirty="0"/>
-              <a:t>Scores Data: Methods</a:t>
+              <a:t>Scores Data: Methods &amp; Results</a:t>
             </a:r>
           </a:p>
         </p:txBody>
@@ -6313,12 +7843,7 @@
             <p:ph type="sldNum" sz="quarter" idx="4"/>
           </p:nvPr>
         </p:nvSpPr>
-        <p:spPr>
-          <a:xfrm>
-            <a:off x="6324416" y="6437963"/>
-            <a:ext cx="2133600" cy="365125"/>
-          </a:xfrm>
-        </p:spPr>
+        <p:spPr/>
         <p:txBody>
           <a:bodyPr anchor="ctr">
             <a:normAutofit/>
@@ -6379,36 +7904,36 @@
           <a:chExt cx="0" cy="0"/>
         </a:xfrm>
       </p:grpSpPr>
-      <p:sp>
-        <p:nvSpPr>
-          <p:cNvPr id="9" name="Content Placeholder 1">
+      <p:pic>
+        <p:nvPicPr>
+          <p:cNvPr id="3" name="Content Placeholder 2" descr="A graph of a number of different regions&#10;&#10;Description automatically generated with medium confidence">
             <a:extLst>
               <a:ext uri="{FF2B5EF4-FFF2-40B4-BE49-F238E27FC236}">
-                <a16:creationId xmlns:a16="http://schemas.microsoft.com/office/drawing/2014/main" id="{EA871092-EB33-6975-68A1-76B6821C1887}"/>
+                <a16:creationId xmlns:a16="http://schemas.microsoft.com/office/drawing/2014/main" id="{679CD1B4-7165-51DF-4ADD-6D636BB4910A}"/>
               </a:ext>
             </a:extLst>
           </p:cNvPr>
-          <p:cNvSpPr>
-            <a:spLocks noGrp="1"/>
-          </p:cNvSpPr>
+          <p:cNvPicPr>
+            <a:picLocks noGrp="1" noChangeAspect="1"/>
+          </p:cNvPicPr>
           <p:nvPr>
             <p:ph sz="quarter" idx="12"/>
           </p:nvPr>
-        </p:nvSpPr>
+        </p:nvPicPr>
+        <p:blipFill>
+          <a:blip r:embed="rId2"/>
+          <a:stretch>
+            <a:fillRect/>
+          </a:stretch>
+        </p:blipFill>
         <p:spPr>
           <a:xfrm>
-            <a:off x="571316" y="1735411"/>
-            <a:ext cx="7886699" cy="4275921"/>
+            <a:off x="1526306" y="1217190"/>
+            <a:ext cx="5976719" cy="4174617"/>
           </a:xfrm>
+          <a:noFill/>
         </p:spPr>
-        <p:txBody>
-          <a:bodyPr/>
-          <a:lstStyle/>
-          <a:p>
-            <a:endParaRPr lang="en-US"/>
-          </a:p>
-        </p:txBody>
-      </p:sp>
+      </p:pic>
       <p:sp>
         <p:nvSpPr>
           <p:cNvPr id="11" name="Title 2">
@@ -6427,12 +7952,12 @@
         </p:nvSpPr>
         <p:spPr>
           <a:xfrm>
-            <a:off x="571316" y="733088"/>
-            <a:ext cx="7886700" cy="868430"/>
+            <a:off x="571315" y="399393"/>
+            <a:ext cx="7886700" cy="620110"/>
           </a:xfrm>
         </p:spPr>
         <p:txBody>
-          <a:bodyPr>
+          <a:bodyPr anchor="b">
             <a:normAutofit/>
           </a:bodyPr>
           <a:lstStyle/>
@@ -6440,7 +7965,7 @@
             <a:pPr marL="342900" indent="-342900"/>
             <a:r>
               <a:rPr lang="en-US" dirty="0"/>
-              <a:t>Scores Data: Results and Interpretation</a:t>
+              <a:t>Scores Data: Exploratory Data Analysis</a:t>
             </a:r>
           </a:p>
         </p:txBody>
@@ -6461,12 +7986,7 @@
             <p:ph type="sldNum" sz="quarter" idx="4"/>
           </p:nvPr>
         </p:nvSpPr>
-        <p:spPr>
-          <a:xfrm>
-            <a:off x="6324416" y="6437963"/>
-            <a:ext cx="2133600" cy="365125"/>
-          </a:xfrm>
-        </p:spPr>
+        <p:spPr/>
         <p:txBody>
           <a:bodyPr anchor="ctr">
             <a:normAutofit/>
@@ -6488,6 +8008,52 @@
               <a:t>5</a:t>
             </a:fld>
             <a:endParaRPr lang="en-US"/>
+          </a:p>
+        </p:txBody>
+      </p:sp>
+      <p:sp>
+        <p:nvSpPr>
+          <p:cNvPr id="5" name="TextBox 4">
+            <a:extLst>
+              <a:ext uri="{FF2B5EF4-FFF2-40B4-BE49-F238E27FC236}">
+                <a16:creationId xmlns:a16="http://schemas.microsoft.com/office/drawing/2014/main" id="{2F571805-6140-EABB-9FE1-3CB1BEBDE13D}"/>
+              </a:ext>
+            </a:extLst>
+          </p:cNvPr>
+          <p:cNvSpPr txBox="1"/>
+          <p:nvPr/>
+        </p:nvSpPr>
+        <p:spPr>
+          <a:xfrm>
+            <a:off x="571316" y="5491102"/>
+            <a:ext cx="7479607" cy="738664"/>
+          </a:xfrm>
+          <a:prstGeom prst="rect">
+            <a:avLst/>
+          </a:prstGeom>
+          <a:noFill/>
+        </p:spPr>
+        <p:txBody>
+          <a:bodyPr wrap="square" rtlCol="0">
+            <a:spAutoFit/>
+          </a:bodyPr>
+          <a:lstStyle/>
+          <a:p>
+            <a:r>
+              <a:rPr lang="en-US" sz="1400" dirty="0">
+                <a:solidFill>
+                  <a:srgbClr val="1D4F91"/>
+                </a:solidFill>
+                <a:cs typeface="Arial" panose="020B0604020202020204" pitchFamily="34" charset="0"/>
+              </a:rPr>
+              <a:t>Comment:</a:t>
+            </a:r>
+          </a:p>
+          <a:p>
+            <a:r>
+              <a:rPr lang="en-US" sz="1400" dirty="0"/>
+              <a:t>UHF 401 (Long Island City - Astoria) has the lowest median scores for both temporal discounting and agency, while UHF 309 (Union Square - Lower East Side) has the highest median score for agency.</a:t>
+            </a:r>
           </a:p>
         </p:txBody>
       </p:sp>
@@ -6505,6 +8071,307 @@
 </file>
 
 <file path=ppt/slides/slide6.xml><?xml version="1.0" encoding="utf-8"?>
+<p:sld xmlns:a="http://schemas.openxmlformats.org/drawingml/2006/main" xmlns:r="http://schemas.openxmlformats.org/officeDocument/2006/relationships" xmlns:p="http://schemas.openxmlformats.org/presentationml/2006/main">
+  <p:cSld>
+    <p:spTree>
+      <p:nvGrpSpPr>
+        <p:cNvPr id="1" name="">
+          <a:extLst>
+            <a:ext uri="{FF2B5EF4-FFF2-40B4-BE49-F238E27FC236}">
+              <a16:creationId xmlns:a16="http://schemas.microsoft.com/office/drawing/2014/main" id="{98B5EA47-577A-E4C8-4651-CAC51490CC82}"/>
+            </a:ext>
+          </a:extLst>
+        </p:cNvPr>
+        <p:cNvGrpSpPr/>
+        <p:nvPr/>
+      </p:nvGrpSpPr>
+      <p:grpSpPr>
+        <a:xfrm>
+          <a:off x="0" y="0"/>
+          <a:ext cx="0" cy="0"/>
+          <a:chOff x="0" y="0"/>
+          <a:chExt cx="0" cy="0"/>
+        </a:xfrm>
+      </p:grpSpPr>
+      <p:sp>
+        <p:nvSpPr>
+          <p:cNvPr id="11" name="Title 2">
+            <a:extLst>
+              <a:ext uri="{FF2B5EF4-FFF2-40B4-BE49-F238E27FC236}">
+                <a16:creationId xmlns:a16="http://schemas.microsoft.com/office/drawing/2014/main" id="{CA4CCF0C-74AF-2BDB-18E7-7CAABA58DFA7}"/>
+              </a:ext>
+            </a:extLst>
+          </p:cNvPr>
+          <p:cNvSpPr>
+            <a:spLocks noGrp="1"/>
+          </p:cNvSpPr>
+          <p:nvPr>
+            <p:ph type="title"/>
+          </p:nvPr>
+        </p:nvSpPr>
+        <p:spPr>
+          <a:xfrm>
+            <a:off x="829803" y="209517"/>
+            <a:ext cx="7886700" cy="575692"/>
+          </a:xfrm>
+        </p:spPr>
+        <p:txBody>
+          <a:bodyPr anchor="b">
+            <a:normAutofit/>
+          </a:bodyPr>
+          <a:lstStyle/>
+          <a:p>
+            <a:pPr marL="342900" indent="-342900"/>
+            <a:r>
+              <a:rPr lang="en-US" sz="2400" dirty="0"/>
+              <a:t>Scores Data: Exploratory Data Analysis</a:t>
+            </a:r>
+          </a:p>
+        </p:txBody>
+      </p:sp>
+      <p:sp>
+        <p:nvSpPr>
+          <p:cNvPr id="4" name="Slide Number Placeholder 3">
+            <a:extLst>
+              <a:ext uri="{FF2B5EF4-FFF2-40B4-BE49-F238E27FC236}">
+                <a16:creationId xmlns:a16="http://schemas.microsoft.com/office/drawing/2014/main" id="{2C218EC2-1A64-25C4-EF40-2906CF0BEB4E}"/>
+              </a:ext>
+            </a:extLst>
+          </p:cNvPr>
+          <p:cNvSpPr>
+            <a:spLocks noGrp="1"/>
+          </p:cNvSpPr>
+          <p:nvPr>
+            <p:ph type="sldNum" sz="quarter" idx="4"/>
+          </p:nvPr>
+        </p:nvSpPr>
+        <p:spPr/>
+        <p:txBody>
+          <a:bodyPr anchor="ctr">
+            <a:normAutofit/>
+          </a:bodyPr>
+          <a:lstStyle/>
+          <a:p>
+            <a:pPr>
+              <a:spcAft>
+                <a:spcPts val="600"/>
+              </a:spcAft>
+            </a:pPr>
+            <a:fld id="{DFF3CF64-7C58-ED48-B151-C0AF0EEF3592}" type="slidenum">
+              <a:rPr lang="en-US" smtClean="0"/>
+              <a:pPr>
+                <a:spcAft>
+                  <a:spcPts val="600"/>
+                </a:spcAft>
+              </a:pPr>
+              <a:t>6</a:t>
+            </a:fld>
+            <a:endParaRPr lang="en-US"/>
+          </a:p>
+        </p:txBody>
+      </p:sp>
+      <p:pic>
+        <p:nvPicPr>
+          <p:cNvPr id="18" name="Picture 17" descr="A graph of loss of a number of people&#10;&#10;Description automatically generated with medium confidence">
+            <a:extLst>
+              <a:ext uri="{FF2B5EF4-FFF2-40B4-BE49-F238E27FC236}">
+                <a16:creationId xmlns:a16="http://schemas.microsoft.com/office/drawing/2014/main" id="{0858F86C-A198-3D5A-F660-E1B11F4A512A}"/>
+              </a:ext>
+            </a:extLst>
+          </p:cNvPr>
+          <p:cNvPicPr>
+            <a:picLocks noChangeAspect="1"/>
+          </p:cNvPicPr>
+          <p:nvPr/>
+        </p:nvPicPr>
+        <p:blipFill>
+          <a:blip r:embed="rId2"/>
+          <a:stretch>
+            <a:fillRect/>
+          </a:stretch>
+        </p:blipFill>
+        <p:spPr>
+          <a:xfrm>
+            <a:off x="829803" y="3511350"/>
+            <a:ext cx="3600000" cy="2433946"/>
+          </a:xfrm>
+          <a:prstGeom prst="rect">
+            <a:avLst/>
+          </a:prstGeom>
+        </p:spPr>
+      </p:pic>
+      <p:pic>
+        <p:nvPicPr>
+          <p:cNvPr id="22" name="Picture 21" descr="A group of green and black lines&#10;&#10;Description automatically generated">
+            <a:extLst>
+              <a:ext uri="{FF2B5EF4-FFF2-40B4-BE49-F238E27FC236}">
+                <a16:creationId xmlns:a16="http://schemas.microsoft.com/office/drawing/2014/main" id="{A5A9446E-2A03-FF2E-5E23-2E7A1BF6D9A3}"/>
+              </a:ext>
+            </a:extLst>
+          </p:cNvPr>
+          <p:cNvPicPr>
+            <a:picLocks noChangeAspect="1"/>
+          </p:cNvPicPr>
+          <p:nvPr/>
+        </p:nvPicPr>
+        <p:blipFill>
+          <a:blip r:embed="rId3"/>
+          <a:stretch>
+            <a:fillRect/>
+          </a:stretch>
+        </p:blipFill>
+        <p:spPr>
+          <a:xfrm>
+            <a:off x="4429803" y="979772"/>
+            <a:ext cx="3600000" cy="2566127"/>
+          </a:xfrm>
+          <a:prstGeom prst="rect">
+            <a:avLst/>
+          </a:prstGeom>
+        </p:spPr>
+      </p:pic>
+      <p:pic>
+        <p:nvPicPr>
+          <p:cNvPr id="24" name="Picture 23" descr="A group of blue and black lines&#10;&#10;Description automatically generated">
+            <a:extLst>
+              <a:ext uri="{FF2B5EF4-FFF2-40B4-BE49-F238E27FC236}">
+                <a16:creationId xmlns:a16="http://schemas.microsoft.com/office/drawing/2014/main" id="{5D943978-484E-6B58-875F-95B7958DD89C}"/>
+              </a:ext>
+            </a:extLst>
+          </p:cNvPr>
+          <p:cNvPicPr>
+            <a:picLocks noChangeAspect="1"/>
+          </p:cNvPicPr>
+          <p:nvPr/>
+        </p:nvPicPr>
+        <p:blipFill>
+          <a:blip r:embed="rId4"/>
+          <a:stretch>
+            <a:fillRect/>
+          </a:stretch>
+        </p:blipFill>
+        <p:spPr>
+          <a:xfrm>
+            <a:off x="829803" y="979772"/>
+            <a:ext cx="3600000" cy="2531578"/>
+          </a:xfrm>
+          <a:prstGeom prst="rect">
+            <a:avLst/>
+          </a:prstGeom>
+        </p:spPr>
+      </p:pic>
+      <p:sp>
+        <p:nvSpPr>
+          <p:cNvPr id="25" name="TextBox 24">
+            <a:extLst>
+              <a:ext uri="{FF2B5EF4-FFF2-40B4-BE49-F238E27FC236}">
+                <a16:creationId xmlns:a16="http://schemas.microsoft.com/office/drawing/2014/main" id="{1928B19B-C237-3E36-BF17-DC60651C74B7}"/>
+              </a:ext>
+            </a:extLst>
+          </p:cNvPr>
+          <p:cNvSpPr txBox="1"/>
+          <p:nvPr/>
+        </p:nvSpPr>
+        <p:spPr>
+          <a:xfrm>
+            <a:off x="4429804" y="4107680"/>
+            <a:ext cx="3884393" cy="1169551"/>
+          </a:xfrm>
+          <a:prstGeom prst="rect">
+            <a:avLst/>
+          </a:prstGeom>
+          <a:noFill/>
+        </p:spPr>
+        <p:txBody>
+          <a:bodyPr wrap="square" rtlCol="0">
+            <a:spAutoFit/>
+          </a:bodyPr>
+          <a:lstStyle/>
+          <a:p>
+            <a:r>
+              <a:rPr lang="en-US" sz="1400" dirty="0">
+                <a:solidFill>
+                  <a:srgbClr val="1D4F91"/>
+                </a:solidFill>
+                <a:cs typeface="Arial" panose="020B0604020202020204" pitchFamily="34" charset="0"/>
+              </a:rPr>
+              <a:t>Comment:</a:t>
+            </a:r>
+          </a:p>
+          <a:p>
+            <a:r>
+              <a:rPr lang="en-US" sz="1400" dirty="0"/>
+              <a:t>All three scores follow normal distributions on UHF level in general, including those with smaller sample sizes (region 301 </a:t>
+            </a:r>
+            <a:r>
+              <a:rPr lang="en-US" altLang="zh-CN" sz="1400" dirty="0"/>
+              <a:t>-</a:t>
+            </a:r>
+            <a:r>
+              <a:rPr lang="zh-CN" altLang="en-US" sz="1400" dirty="0"/>
+              <a:t> </a:t>
+            </a:r>
+            <a:r>
+              <a:rPr lang="en-US" sz="1400" dirty="0"/>
+              <a:t>Washington Heights, 407</a:t>
+            </a:r>
+            <a:r>
+              <a:rPr lang="zh-CN" altLang="en-US" sz="1400" dirty="0"/>
+              <a:t> </a:t>
+            </a:r>
+            <a:r>
+              <a:rPr lang="en-US" altLang="zh-CN" sz="1400" dirty="0"/>
+              <a:t>-</a:t>
+            </a:r>
+            <a:r>
+              <a:rPr lang="zh-CN" altLang="en-US" sz="1400" dirty="0"/>
+              <a:t> </a:t>
+            </a:r>
+            <a:r>
+              <a:rPr lang="en-US" altLang="zh-CN" sz="1400" dirty="0"/>
+              <a:t>Southwest Queens</a:t>
+            </a:r>
+            <a:r>
+              <a:rPr lang="en-US" sz="1400" dirty="0"/>
+              <a:t>, 501</a:t>
+            </a:r>
+            <a:r>
+              <a:rPr lang="zh-CN" altLang="en-US" sz="1400" dirty="0"/>
+              <a:t> </a:t>
+            </a:r>
+            <a:r>
+              <a:rPr lang="en-US" altLang="zh-CN" sz="1400" dirty="0"/>
+              <a:t>-</a:t>
+            </a:r>
+            <a:r>
+              <a:rPr lang="zh-CN" altLang="en-US" sz="1400" dirty="0"/>
+              <a:t> </a:t>
+            </a:r>
+            <a:r>
+              <a:rPr lang="en-US" altLang="zh-CN" sz="1400" dirty="0"/>
+              <a:t>Port Richmond</a:t>
+            </a:r>
+            <a:r>
+              <a:rPr lang="en-US" sz="1400" dirty="0"/>
+              <a:t>).</a:t>
+            </a:r>
+          </a:p>
+        </p:txBody>
+      </p:sp>
+    </p:spTree>
+    <p:extLst>
+      <p:ext uri="{BB962C8B-B14F-4D97-AF65-F5344CB8AC3E}">
+        <p14:creationId xmlns:p14="http://schemas.microsoft.com/office/powerpoint/2010/main" val="4064736499"/>
+      </p:ext>
+    </p:extLst>
+  </p:cSld>
+  <p:clrMapOvr>
+    <a:masterClrMapping/>
+  </p:clrMapOvr>
+</p:sld>
+</file>
+
+<file path=ppt/slides/slide7.xml><?xml version="1.0" encoding="utf-8"?>
 <p:sld xmlns:a="http://schemas.openxmlformats.org/drawingml/2006/main" xmlns:r="http://schemas.openxmlformats.org/officeDocument/2006/relationships" xmlns:p="http://schemas.openxmlformats.org/presentationml/2006/main">
   <p:cSld>
     <p:spTree>
@@ -6545,15 +8412,97 @@
         </p:nvSpPr>
         <p:spPr>
           <a:xfrm>
-            <a:off x="571316" y="1735411"/>
-            <a:ext cx="7886699" cy="4275921"/>
+            <a:off x="571316" y="2165131"/>
+            <a:ext cx="7886699" cy="3846201"/>
           </a:xfrm>
         </p:spPr>
         <p:txBody>
-          <a:bodyPr/>
+          <a:bodyPr>
+            <a:normAutofit/>
+          </a:bodyPr>
           <a:lstStyle/>
           <a:p>
-            <a:endParaRPr lang="en-US"/>
+            <a:pPr marL="285750" indent="-285750">
+              <a:buFont typeface="Arial" panose="020B0604020202020204" pitchFamily="34" charset="0"/>
+              <a:buChar char="•"/>
+            </a:pPr>
+            <a:r>
+              <a:rPr lang="en-US" dirty="0"/>
+              <a:t>Merge ZCTA - ZIP Code - UHF mapping to one dataset</a:t>
+            </a:r>
+          </a:p>
+          <a:p>
+            <a:pPr marL="838200" lvl="1" indent="-285750">
+              <a:buFont typeface="Arial" panose="020B0604020202020204" pitchFamily="34" charset="0"/>
+              <a:buChar char="•"/>
+            </a:pPr>
+            <a:r>
+              <a:rPr lang="en-US" dirty="0"/>
+              <a:t>Exported the results into </a:t>
+            </a:r>
+            <a:r>
+              <a:rPr lang="en-US" dirty="0">
+                <a:hlinkClick r:id="rId2">
+                  <a:extLst>
+                    <a:ext uri="{A12FA001-AC4F-418D-AE19-62706E023703}">
+                      <ahyp:hlinkClr xmlns:ahyp="http://schemas.microsoft.com/office/drawing/2018/hyperlinkcolor" val="tx"/>
+                    </a:ext>
+                  </a:extLst>
+                </a:hlinkClick>
+              </a:rPr>
+              <a:t>2_output/mapping_guide.csv</a:t>
+            </a:r>
+            <a:endParaRPr lang="en-US" dirty="0"/>
+          </a:p>
+          <a:p>
+            <a:pPr marL="285750" indent="-285750">
+              <a:buFont typeface="Arial" panose="020B0604020202020204" pitchFamily="34" charset="0"/>
+              <a:buChar char="•"/>
+            </a:pPr>
+            <a:endParaRPr lang="en-US" dirty="0"/>
+          </a:p>
+          <a:p>
+            <a:pPr marL="285750" indent="-285750">
+              <a:buFont typeface="Arial" panose="020B0604020202020204" pitchFamily="34" charset="0"/>
+              <a:buChar char="•"/>
+            </a:pPr>
+            <a:r>
+              <a:rPr lang="en-US" dirty="0"/>
+              <a:t>Download census data</a:t>
+            </a:r>
+          </a:p>
+          <a:p>
+            <a:pPr marL="838200" lvl="1" indent="-285750">
+              <a:buFont typeface="Arial" panose="020B0604020202020204" pitchFamily="34" charset="0"/>
+              <a:buChar char="•"/>
+            </a:pPr>
+            <a:r>
+              <a:rPr lang="en-US" dirty="0"/>
+              <a:t>include population, individuals without health insurance, education levels, household income, household numbers, households without vehicles, age distribution, and employment status</a:t>
+            </a:r>
+          </a:p>
+          <a:p>
+            <a:pPr marL="838200" lvl="1" indent="-285750">
+              <a:buFont typeface="Arial" panose="020B0604020202020204" pitchFamily="34" charset="0"/>
+              <a:buChar char="•"/>
+            </a:pPr>
+            <a:r>
+              <a:rPr lang="en-US" dirty="0"/>
+              <a:t>Converted the census data from ZCTA level to UHF level and got 42 regions in total; </a:t>
+            </a:r>
+            <a:r>
+              <a:rPr lang="en-US" dirty="0">
+                <a:hlinkClick r:id="rId3">
+                  <a:extLst>
+                    <a:ext uri="{A12FA001-AC4F-418D-AE19-62706E023703}">
+                      <ahyp:hlinkClr xmlns:ahyp="http://schemas.microsoft.com/office/drawing/2018/hyperlinkcolor" val="tx"/>
+                    </a:ext>
+                  </a:extLst>
+                </a:hlinkClick>
+              </a:rPr>
+              <a:t>2_output/uhf_summary.csv</a:t>
+            </a:r>
+            <a:endParaRPr lang="en-US" dirty="0"/>
           </a:p>
         </p:txBody>
       </p:sp>
@@ -6573,12 +8522,7 @@
             <p:ph type="title"/>
           </p:nvPr>
         </p:nvSpPr>
-        <p:spPr>
-          <a:xfrm>
-            <a:off x="571316" y="733088"/>
-            <a:ext cx="7886700" cy="868430"/>
-          </a:xfrm>
-        </p:spPr>
+        <p:spPr/>
         <p:txBody>
           <a:bodyPr>
             <a:normAutofit/>
@@ -6588,7 +8532,7 @@
             <a:pPr marL="342900" indent="-342900"/>
             <a:r>
               <a:rPr lang="en-US" dirty="0"/>
-              <a:t>Census Data: Methods</a:t>
+              <a:t>Census Data: Methods &amp; Results</a:t>
             </a:r>
           </a:p>
         </p:txBody>
@@ -6609,12 +8553,7 @@
             <p:ph type="sldNum" sz="quarter" idx="4"/>
           </p:nvPr>
         </p:nvSpPr>
-        <p:spPr>
-          <a:xfrm>
-            <a:off x="6324416" y="6437963"/>
-            <a:ext cx="2133600" cy="365125"/>
-          </a:xfrm>
-        </p:spPr>
+        <p:spPr/>
         <p:txBody>
           <a:bodyPr anchor="ctr">
             <a:normAutofit/>
@@ -6633,7 +8572,7 @@
                   <a:spcPts val="600"/>
                 </a:spcAft>
               </a:pPr>
-              <a:t>6</a:t>
+              <a:t>7</a:t>
             </a:fld>
             <a:endParaRPr lang="en-US"/>
           </a:p>
@@ -6652,7 +8591,7 @@
 </p:sld>
 </file>
 
-<file path=ppt/slides/slide7.xml><?xml version="1.0" encoding="utf-8"?>
+<file path=ppt/slides/slide8.xml><?xml version="1.0" encoding="utf-8"?>
 <p:sld xmlns:a="http://schemas.openxmlformats.org/drawingml/2006/main" xmlns:r="http://schemas.openxmlformats.org/officeDocument/2006/relationships" xmlns:p="http://schemas.openxmlformats.org/presentationml/2006/main">
   <p:cSld>
     <p:spTree>
@@ -6660,7 +8599,7 @@
         <p:cNvPr id="1" name="">
           <a:extLst>
             <a:ext uri="{FF2B5EF4-FFF2-40B4-BE49-F238E27FC236}">
-              <a16:creationId xmlns:a16="http://schemas.microsoft.com/office/drawing/2014/main" id="{D03C1195-86EA-9CF2-957E-0A5F339A983A}"/>
+              <a16:creationId xmlns:a16="http://schemas.microsoft.com/office/drawing/2014/main" id="{840FD2EE-16E9-6016-4AD7-9A5D13C6DCD3}"/>
             </a:ext>
           </a:extLst>
         </p:cNvPr>
@@ -6677,10 +8616,10 @@
       </p:grpSpPr>
       <p:sp>
         <p:nvSpPr>
-          <p:cNvPr id="9" name="Content Placeholder 1">
+          <p:cNvPr id="24" name="Text Placeholder 1">
             <a:extLst>
               <a:ext uri="{FF2B5EF4-FFF2-40B4-BE49-F238E27FC236}">
-                <a16:creationId xmlns:a16="http://schemas.microsoft.com/office/drawing/2014/main" id="{C776286D-7DF5-08C9-0558-1269939DFF01}"/>
+                <a16:creationId xmlns:a16="http://schemas.microsoft.com/office/drawing/2014/main" id="{A9AED463-CCD4-B1B3-EC86-C3BCA1F4B1A9}"/>
               </a:ext>
             </a:extLst>
           </p:cNvPr>
@@ -6688,20 +8627,31 @@
             <a:spLocks noGrp="1"/>
           </p:cNvSpPr>
           <p:nvPr>
-            <p:ph sz="quarter" idx="12"/>
+            <p:ph type="body" sz="quarter" idx="16"/>
           </p:nvPr>
         </p:nvSpPr>
         <p:spPr>
           <a:xfrm>
-            <a:off x="571316" y="1735411"/>
-            <a:ext cx="7886699" cy="4275921"/>
+            <a:off x="571316" y="1870840"/>
+            <a:ext cx="7886700" cy="4123559"/>
           </a:xfrm>
         </p:spPr>
         <p:txBody>
-          <a:bodyPr/>
+          <a:bodyPr>
+            <a:normAutofit/>
+          </a:bodyPr>
           <a:lstStyle/>
           <a:p>
-            <a:endParaRPr lang="en-US"/>
+            <a:r>
+              <a:rPr lang="en-US" dirty="0"/>
+              <a:t>Aim to fit a SLR model about scores based on census data from 18 UHF regions.</a:t>
+            </a:r>
+          </a:p>
+          <a:p>
+            <a:r>
+              <a:rPr lang="en-US" dirty="0"/>
+              <a:t>Then use it to predict scores for the remaining 24 UHF regions.</a:t>
+            </a:r>
           </a:p>
         </p:txBody>
       </p:sp>
@@ -6710,7 +8660,7 @@
           <p:cNvPr id="11" name="Title 2">
             <a:extLst>
               <a:ext uri="{FF2B5EF4-FFF2-40B4-BE49-F238E27FC236}">
-                <a16:creationId xmlns:a16="http://schemas.microsoft.com/office/drawing/2014/main" id="{C76580E8-CCA7-157B-FFDF-B50B672D52E4}"/>
+                <a16:creationId xmlns:a16="http://schemas.microsoft.com/office/drawing/2014/main" id="{62730A0D-2E92-0594-D59A-67D3F6ABBFCA}"/>
               </a:ext>
             </a:extLst>
           </p:cNvPr>
@@ -6721,22 +8671,16 @@
             <p:ph type="title"/>
           </p:nvPr>
         </p:nvSpPr>
-        <p:spPr>
-          <a:xfrm>
-            <a:off x="571316" y="733088"/>
-            <a:ext cx="7886700" cy="868430"/>
-          </a:xfrm>
-        </p:spPr>
+        <p:spPr/>
         <p:txBody>
-          <a:bodyPr/>
+          <a:bodyPr anchor="b">
+            <a:normAutofit/>
+          </a:bodyPr>
           <a:lstStyle/>
           <a:p>
-            <a:br>
-              <a:rPr lang="en-US" dirty="0"/>
-            </a:br>
-            <a:r>
-              <a:rPr lang="en-US" dirty="0"/>
-              <a:t>Census Data: Results and Interpretation</a:t>
+            <a:r>
+              <a:rPr lang="en-US" dirty="0"/>
+              <a:t>SLR Exploration: Introduction</a:t>
             </a:r>
           </a:p>
         </p:txBody>
@@ -6746,7 +8690,7 @@
           <p:cNvPr id="4" name="Slide Number Placeholder 3">
             <a:extLst>
               <a:ext uri="{FF2B5EF4-FFF2-40B4-BE49-F238E27FC236}">
-                <a16:creationId xmlns:a16="http://schemas.microsoft.com/office/drawing/2014/main" id="{5984AF2C-CAFE-ABD6-E790-CEF0EB2FA2A0}"/>
+                <a16:creationId xmlns:a16="http://schemas.microsoft.com/office/drawing/2014/main" id="{6817308E-ACD2-2F4D-2A8B-3A2BBF63E98E}"/>
               </a:ext>
             </a:extLst>
           </p:cNvPr>
@@ -6757,12 +8701,7 @@
             <p:ph type="sldNum" sz="quarter" idx="4"/>
           </p:nvPr>
         </p:nvSpPr>
-        <p:spPr>
-          <a:xfrm>
-            <a:off x="6324416" y="6437963"/>
-            <a:ext cx="2133600" cy="365125"/>
-          </a:xfrm>
-        </p:spPr>
+        <p:spPr/>
         <p:txBody>
           <a:bodyPr anchor="ctr">
             <a:normAutofit/>
@@ -6781,7 +8720,7 @@
                   <a:spcPts val="600"/>
                 </a:spcAft>
               </a:pPr>
-              <a:t>7</a:t>
+              <a:t>8</a:t>
             </a:fld>
             <a:endParaRPr lang="en-US"/>
           </a:p>
@@ -6790,7 +8729,7 @@
     </p:spTree>
     <p:extLst>
       <p:ext uri="{BB962C8B-B14F-4D97-AF65-F5344CB8AC3E}">
-        <p14:creationId xmlns:p14="http://schemas.microsoft.com/office/powerpoint/2010/main" val="157408403"/>
+        <p14:creationId xmlns:p14="http://schemas.microsoft.com/office/powerpoint/2010/main" val="3235774983"/>
       </p:ext>
     </p:extLst>
   </p:cSld>
@@ -6800,7 +8739,7 @@
 </p:sld>
 </file>
 
-<file path=ppt/slides/slide8.xml><?xml version="1.0" encoding="utf-8"?>
+<file path=ppt/slides/slide9.xml><?xml version="1.0" encoding="utf-8"?>
 <p:sld xmlns:a="http://schemas.openxmlformats.org/drawingml/2006/main" xmlns:r="http://schemas.openxmlformats.org/officeDocument/2006/relationships" xmlns:p="http://schemas.openxmlformats.org/presentationml/2006/main">
   <p:cSld>
     <p:spTree>
@@ -6825,10 +8764,10 @@
       </p:grpSpPr>
       <p:sp>
         <p:nvSpPr>
-          <p:cNvPr id="9" name="Content Placeholder 1">
+          <p:cNvPr id="6" name="Content Placeholder 5">
             <a:extLst>
               <a:ext uri="{FF2B5EF4-FFF2-40B4-BE49-F238E27FC236}">
-                <a16:creationId xmlns:a16="http://schemas.microsoft.com/office/drawing/2014/main" id="{1CD2CE1D-17BE-CFF1-B8D6-272091ED4D78}"/>
+                <a16:creationId xmlns:a16="http://schemas.microsoft.com/office/drawing/2014/main" id="{D89E0405-376A-54EC-CB78-78293FB44F38}"/>
               </a:ext>
             </a:extLst>
           </p:cNvPr>
@@ -6839,17 +8778,114 @@
             <p:ph sz="quarter" idx="12"/>
           </p:nvPr>
         </p:nvSpPr>
-        <p:spPr>
-          <a:xfrm>
-            <a:off x="571316" y="1735411"/>
-            <a:ext cx="7886699" cy="4275921"/>
-          </a:xfrm>
-        </p:spPr>
+        <p:spPr/>
         <p:txBody>
           <a:bodyPr/>
           <a:lstStyle/>
           <a:p>
-            <a:endParaRPr lang="en-US"/>
+            <a:pPr marL="285750" indent="-285750">
+              <a:buFont typeface="Arial" panose="020B0604020202020204" pitchFamily="34" charset="0"/>
+              <a:buChar char="•"/>
+            </a:pPr>
+            <a:endParaRPr lang="en-CN" dirty="0"/>
+          </a:p>
+          <a:p>
+            <a:pPr marL="285750" indent="-285750">
+              <a:buFont typeface="Arial" panose="020B0604020202020204" pitchFamily="34" charset="0"/>
+              <a:buChar char="•"/>
+            </a:pPr>
+            <a:endParaRPr lang="en-CN" dirty="0"/>
+          </a:p>
+          <a:p>
+            <a:pPr marL="285750" indent="-285750">
+              <a:buFont typeface="Arial" panose="020B0604020202020204" pitchFamily="34" charset="0"/>
+              <a:buChar char="•"/>
+            </a:pPr>
+            <a:endParaRPr lang="en-CN" dirty="0"/>
+          </a:p>
+          <a:p>
+            <a:pPr marL="285750" indent="-285750">
+              <a:buFont typeface="Arial" panose="020B0604020202020204" pitchFamily="34" charset="0"/>
+              <a:buChar char="•"/>
+            </a:pPr>
+            <a:endParaRPr lang="en-CN" dirty="0"/>
+          </a:p>
+          <a:p>
+            <a:pPr marL="285750" indent="-285750">
+              <a:buFont typeface="Arial" panose="020B0604020202020204" pitchFamily="34" charset="0"/>
+              <a:buChar char="•"/>
+            </a:pPr>
+            <a:endParaRPr lang="en-CN" dirty="0"/>
+          </a:p>
+          <a:p>
+            <a:pPr marL="285750" indent="-285750">
+              <a:buFont typeface="Arial" panose="020B0604020202020204" pitchFamily="34" charset="0"/>
+              <a:buChar char="•"/>
+            </a:pPr>
+            <a:endParaRPr lang="en-CN" dirty="0"/>
+          </a:p>
+          <a:p>
+            <a:pPr marL="285750" indent="-285750">
+              <a:buFont typeface="Arial" panose="020B0604020202020204" pitchFamily="34" charset="0"/>
+              <a:buChar char="•"/>
+            </a:pPr>
+            <a:endParaRPr lang="en-CN" dirty="0"/>
+          </a:p>
+          <a:p>
+            <a:pPr marL="285750" indent="-285750">
+              <a:buFont typeface="Arial" panose="020B0604020202020204" pitchFamily="34" charset="0"/>
+              <a:buChar char="•"/>
+            </a:pPr>
+            <a:endParaRPr lang="en-CN" dirty="0"/>
+          </a:p>
+          <a:p>
+            <a:endParaRPr lang="en-CN" dirty="0"/>
+          </a:p>
+          <a:p>
+            <a:pPr marL="285750" indent="-285750">
+              <a:buFont typeface="Arial" panose="020B0604020202020204" pitchFamily="34" charset="0"/>
+              <a:buChar char="•"/>
+            </a:pPr>
+            <a:r>
+              <a:rPr lang="en-CN" dirty="0"/>
+              <a:t>Detailed code and results: </a:t>
+            </a:r>
+            <a:r>
+              <a:rPr lang="en-US" dirty="0">
+                <a:hlinkClick r:id="rId2">
+                  <a:extLst>
+                    <a:ext uri="{A12FA001-AC4F-418D-AE19-62706E023703}">
+                      <ahyp:hlinkClr xmlns:ahyp="http://schemas.microsoft.com/office/drawing/2018/hyperlinkcolor" val="tx"/>
+                    </a:ext>
+                  </a:extLst>
+                </a:hlinkClick>
+              </a:rPr>
+              <a:t>model.html</a:t>
+            </a:r>
+            <a:endParaRPr lang="en-CN" dirty="0"/>
+          </a:p>
+          <a:p>
+            <a:pPr marL="285750" indent="-285750">
+              <a:buFont typeface="Arial" panose="020B0604020202020204" pitchFamily="34" charset="0"/>
+              <a:buChar char="•"/>
+            </a:pPr>
+            <a:r>
+              <a:rPr lang="en-CN" dirty="0"/>
+              <a:t>Whole dataset after prediction: </a:t>
+            </a:r>
+            <a:r>
+              <a:rPr lang="en-US" dirty="0">
+                <a:hlinkClick r:id="rId3">
+                  <a:extLst>
+                    <a:ext uri="{A12FA001-AC4F-418D-AE19-62706E023703}">
+                      <ahyp:hlinkClr xmlns:ahyp="http://schemas.microsoft.com/office/drawing/2018/hyperlinkcolor" val="tx"/>
+                    </a:ext>
+                  </a:extLst>
+                </a:hlinkClick>
+              </a:rPr>
+              <a:t>3_output/whole_dataset.csv</a:t>
+            </a:r>
+            <a:endParaRPr lang="en-CN" dirty="0"/>
           </a:p>
         </p:txBody>
       </p:sp>
@@ -6869,12 +8905,7 @@
             <p:ph type="title"/>
           </p:nvPr>
         </p:nvSpPr>
-        <p:spPr>
-          <a:xfrm>
-            <a:off x="571316" y="733088"/>
-            <a:ext cx="7886700" cy="868430"/>
-          </a:xfrm>
-        </p:spPr>
+        <p:spPr/>
         <p:txBody>
           <a:bodyPr>
             <a:normAutofit/>
@@ -6883,14 +8914,14 @@
           <a:p>
             <a:r>
               <a:rPr lang="en-US" dirty="0"/>
-              <a:t>Linear Regression Model Exploration:</a:t>
+              <a:t>SLR Exploration:</a:t>
             </a:r>
             <a:br>
               <a:rPr lang="en-US" dirty="0"/>
             </a:br>
             <a:r>
               <a:rPr lang="en-US" dirty="0"/>
-              <a:t>Model and Model Performance </a:t>
+              <a:t>Model Performance </a:t>
             </a:r>
           </a:p>
         </p:txBody>
@@ -6911,157 +8942,7 @@
             <p:ph type="sldNum" sz="quarter" idx="4"/>
           </p:nvPr>
         </p:nvSpPr>
-        <p:spPr>
-          <a:xfrm>
-            <a:off x="6324416" y="6437963"/>
-            <a:ext cx="2133600" cy="365125"/>
-          </a:xfrm>
-        </p:spPr>
-        <p:txBody>
-          <a:bodyPr anchor="ctr">
-            <a:normAutofit/>
-          </a:bodyPr>
-          <a:lstStyle/>
-          <a:p>
-            <a:pPr>
-              <a:spcAft>
-                <a:spcPts val="600"/>
-              </a:spcAft>
-            </a:pPr>
-            <a:fld id="{DFF3CF64-7C58-ED48-B151-C0AF0EEF3592}" type="slidenum">
-              <a:rPr lang="en-US" smtClean="0"/>
-              <a:pPr>
-                <a:spcAft>
-                  <a:spcPts val="600"/>
-                </a:spcAft>
-              </a:pPr>
-              <a:t>8</a:t>
-            </a:fld>
-            <a:endParaRPr lang="en-US"/>
-          </a:p>
-        </p:txBody>
-      </p:sp>
-    </p:spTree>
-    <p:extLst>
-      <p:ext uri="{BB962C8B-B14F-4D97-AF65-F5344CB8AC3E}">
-        <p14:creationId xmlns:p14="http://schemas.microsoft.com/office/powerpoint/2010/main" val="3462312497"/>
-      </p:ext>
-    </p:extLst>
-  </p:cSld>
-  <p:clrMapOvr>
-    <a:masterClrMapping/>
-  </p:clrMapOvr>
-</p:sld>
-</file>
-
-<file path=ppt/slides/slide9.xml><?xml version="1.0" encoding="utf-8"?>
-<p:sld xmlns:a="http://schemas.openxmlformats.org/drawingml/2006/main" xmlns:r="http://schemas.openxmlformats.org/officeDocument/2006/relationships" xmlns:p="http://schemas.openxmlformats.org/presentationml/2006/main">
-  <p:cSld>
-    <p:spTree>
-      <p:nvGrpSpPr>
-        <p:cNvPr id="1" name="">
-          <a:extLst>
-            <a:ext uri="{FF2B5EF4-FFF2-40B4-BE49-F238E27FC236}">
-              <a16:creationId xmlns:a16="http://schemas.microsoft.com/office/drawing/2014/main" id="{553CCC4B-3786-1A29-E8AE-F764C9206126}"/>
-            </a:ext>
-          </a:extLst>
-        </p:cNvPr>
-        <p:cNvGrpSpPr/>
-        <p:nvPr/>
-      </p:nvGrpSpPr>
-      <p:grpSpPr>
-        <a:xfrm>
-          <a:off x="0" y="0"/>
-          <a:ext cx="0" cy="0"/>
-          <a:chOff x="0" y="0"/>
-          <a:chExt cx="0" cy="0"/>
-        </a:xfrm>
-      </p:grpSpPr>
-      <p:sp>
-        <p:nvSpPr>
-          <p:cNvPr id="9" name="Content Placeholder 1">
-            <a:extLst>
-              <a:ext uri="{FF2B5EF4-FFF2-40B4-BE49-F238E27FC236}">
-                <a16:creationId xmlns:a16="http://schemas.microsoft.com/office/drawing/2014/main" id="{3639190F-947D-974F-7DAD-CF450F9D5E96}"/>
-              </a:ext>
-            </a:extLst>
-          </p:cNvPr>
-          <p:cNvSpPr>
-            <a:spLocks noGrp="1"/>
-          </p:cNvSpPr>
-          <p:nvPr>
-            <p:ph sz="quarter" idx="12"/>
-          </p:nvPr>
-        </p:nvSpPr>
-        <p:spPr>
-          <a:xfrm>
-            <a:off x="571316" y="1735411"/>
-            <a:ext cx="7886699" cy="4275921"/>
-          </a:xfrm>
-        </p:spPr>
-        <p:txBody>
-          <a:bodyPr/>
-          <a:lstStyle/>
-          <a:p>
-            <a:endParaRPr lang="en-US"/>
-          </a:p>
-        </p:txBody>
-      </p:sp>
-      <p:sp>
-        <p:nvSpPr>
-          <p:cNvPr id="11" name="Title 2">
-            <a:extLst>
-              <a:ext uri="{FF2B5EF4-FFF2-40B4-BE49-F238E27FC236}">
-                <a16:creationId xmlns:a16="http://schemas.microsoft.com/office/drawing/2014/main" id="{5A0E2FB4-1843-7912-9AE0-A9A3C2AFDD5C}"/>
-              </a:ext>
-            </a:extLst>
-          </p:cNvPr>
-          <p:cNvSpPr>
-            <a:spLocks noGrp="1"/>
-          </p:cNvSpPr>
-          <p:nvPr>
-            <p:ph type="title"/>
-          </p:nvPr>
-        </p:nvSpPr>
-        <p:spPr>
-          <a:xfrm>
-            <a:off x="571316" y="733088"/>
-            <a:ext cx="7886700" cy="868430"/>
-          </a:xfrm>
-        </p:spPr>
-        <p:txBody>
-          <a:bodyPr/>
-          <a:lstStyle/>
-          <a:p>
-            <a:r>
-              <a:rPr lang="en-US" dirty="0"/>
-              <a:t>Linear Regression Model Exploration: Prediction</a:t>
-            </a:r>
-          </a:p>
-        </p:txBody>
-      </p:sp>
-      <p:sp>
-        <p:nvSpPr>
-          <p:cNvPr id="4" name="Slide Number Placeholder 3">
-            <a:extLst>
-              <a:ext uri="{FF2B5EF4-FFF2-40B4-BE49-F238E27FC236}">
-                <a16:creationId xmlns:a16="http://schemas.microsoft.com/office/drawing/2014/main" id="{079D4C22-6F74-AAD5-17F8-966FD5EFD1B6}"/>
-              </a:ext>
-            </a:extLst>
-          </p:cNvPr>
-          <p:cNvSpPr>
-            <a:spLocks noGrp="1"/>
-          </p:cNvSpPr>
-          <p:nvPr>
-            <p:ph type="sldNum" sz="quarter" idx="4"/>
-          </p:nvPr>
-        </p:nvSpPr>
-        <p:spPr>
-          <a:xfrm>
-            <a:off x="6324416" y="6437963"/>
-            <a:ext cx="2133600" cy="365125"/>
-          </a:xfrm>
-        </p:spPr>
+        <p:spPr/>
         <p:txBody>
           <a:bodyPr anchor="ctr">
             <a:normAutofit/>
@@ -7089,7 +8970,7 @@
     </p:spTree>
     <p:extLst>
       <p:ext uri="{BB962C8B-B14F-4D97-AF65-F5344CB8AC3E}">
-        <p14:creationId xmlns:p14="http://schemas.microsoft.com/office/powerpoint/2010/main" val="2047647647"/>
+        <p14:creationId xmlns:p14="http://schemas.microsoft.com/office/powerpoint/2010/main" val="3462312497"/>
       </p:ext>
     </p:extLst>
   </p:cSld>
@@ -7883,21 +9764,12 @@
 </file>
 
 <file path=customXml/item1.xml><?xml version="1.0" encoding="utf-8"?>
-<?mso-contentType ?>
-<FormTemplates xmlns="http://schemas.microsoft.com/sharepoint/v3/contenttype/forms">
-  <Display>DocumentLibraryForm</Display>
-  <Edit>DocumentLibraryForm</Edit>
-  <New>DocumentLibraryForm</New>
-</FormTemplates>
-</file>
-
-<file path=customXml/item2.xml><?xml version="1.0" encoding="utf-8"?>
 <p:properties xmlns:p="http://schemas.microsoft.com/office/2006/metadata/properties" xmlns:xsi="http://www.w3.org/2001/XMLSchema-instance" xmlns:pc="http://schemas.microsoft.com/office/infopath/2007/PartnerControls">
   <documentManagement/>
 </p:properties>
 </file>
 
-<file path=customXml/item3.xml><?xml version="1.0" encoding="utf-8"?>
+<file path=customXml/item2.xml><?xml version="1.0" encoding="utf-8"?>
 <ct:contentTypeSchema xmlns:ct="http://schemas.microsoft.com/office/2006/metadata/contentType" xmlns:ma="http://schemas.microsoft.com/office/2006/metadata/properties/metaAttributes" ct:_="" ma:_="" ma:contentTypeName="Document" ma:contentTypeID="0x010100ACADF0D7730EC34EABE681400B72FC37" ma:contentTypeVersion="4" ma:contentTypeDescription="Create a new document." ma:contentTypeScope="" ma:versionID="049a5d5a03ac7ec2e6dc34b43ce7482e">
   <xsd:schema xmlns:xsd="http://www.w3.org/2001/XMLSchema" xmlns:xs="http://www.w3.org/2001/XMLSchema" xmlns:p="http://schemas.microsoft.com/office/2006/metadata/properties" xmlns:ns2="1f8e1645-2d05-482f-b51f-ff5836e5601f" targetNamespace="http://schemas.microsoft.com/office/2006/metadata/properties" ma:root="true" ma:fieldsID="61e614a36f3d1f3ccf50ac7a4b05a40d" ns2:_="">
     <xsd:import namespace="1f8e1645-2d05-482f-b51f-ff5836e5601f"/>
@@ -8041,15 +9913,16 @@
 </ct:contentTypeSchema>
 </file>
 
-<file path=customXml/itemProps1.xml><?xml version="1.0" encoding="utf-8"?>
-<ds:datastoreItem xmlns:ds="http://schemas.openxmlformats.org/officeDocument/2006/customXml" ds:itemID="{26D2A133-A3B8-4131-9310-4A2FF985FE80}">
-  <ds:schemaRefs>
-    <ds:schemaRef ds:uri="http://schemas.microsoft.com/sharepoint/v3/contenttype/forms"/>
-  </ds:schemaRefs>
-</ds:datastoreItem>
+<file path=customXml/item3.xml><?xml version="1.0" encoding="utf-8"?>
+<?mso-contentType ?>
+<FormTemplates xmlns="http://schemas.microsoft.com/sharepoint/v3/contenttype/forms">
+  <Display>DocumentLibraryForm</Display>
+  <Edit>DocumentLibraryForm</Edit>
+  <New>DocumentLibraryForm</New>
+</FormTemplates>
 </file>
 
-<file path=customXml/itemProps2.xml><?xml version="1.0" encoding="utf-8"?>
+<file path=customXml/itemProps1.xml><?xml version="1.0" encoding="utf-8"?>
 <ds:datastoreItem xmlns:ds="http://schemas.openxmlformats.org/officeDocument/2006/customXml" ds:itemID="{BCC4CFB7-82D7-4F5E-A33E-EE5CAE7C753F}">
   <ds:schemaRefs>
     <ds:schemaRef ds:uri="http://schemas.microsoft.com/office/2006/metadata/properties"/>
@@ -8058,7 +9931,7 @@
 </ds:datastoreItem>
 </file>
 
-<file path=customXml/itemProps3.xml><?xml version="1.0" encoding="utf-8"?>
+<file path=customXml/itemProps2.xml><?xml version="1.0" encoding="utf-8"?>
 <ds:datastoreItem xmlns:ds="http://schemas.openxmlformats.org/officeDocument/2006/customXml" ds:itemID="{424529DD-CE5A-40CB-A883-9BA2BD4463FA}">
   <ds:schemaRefs>
     <ds:schemaRef ds:uri="http://schemas.microsoft.com/office/2006/metadata/contentType"/>
@@ -8074,4 +9947,12 @@
     <ds:schemaRef ds:uri="http://schemas.microsoft.com/internal/obd"/>
   </ds:schemaRefs>
 </ds:datastoreItem>
+</file>
+
+<file path=customXml/itemProps3.xml><?xml version="1.0" encoding="utf-8"?>
+<ds:datastoreItem xmlns:ds="http://schemas.openxmlformats.org/officeDocument/2006/customXml" ds:itemID="{26D2A133-A3B8-4131-9310-4A2FF985FE80}">
+  <ds:schemaRefs>
+    <ds:schemaRef ds:uri="http://schemas.microsoft.com/sharepoint/v3/contenttype/forms"/>
+  </ds:schemaRefs>
+</ds:datastoreItem>
 </file>